--- a/sample/sastLinux2.pptx
+++ b/sample/sastLinux2.pptx
@@ -5,14 +5,15 @@
     <p:sldMasterId id="2147483648" r:id="rId1"/>
   </p:sldMasterIdLst>
   <p:sldIdLst>
-    <p:sldId id="257" r:id="rId3"/>
-    <p:sldId id="258" r:id="rId4"/>
-    <p:sldId id="259" r:id="rId5"/>
-    <p:sldId id="260" r:id="rId6"/>
-    <p:sldId id="261" r:id="rId7"/>
-    <p:sldId id="262" r:id="rId8"/>
-    <p:sldId id="263" r:id="rId9"/>
-    <p:sldId id="264" r:id="rId10"/>
+    <p:sldId id="257" r:id="rId2"/>
+    <p:sldId id="258" r:id="rId3"/>
+    <p:sldId id="259" r:id="rId4"/>
+    <p:sldId id="260" r:id="rId5"/>
+    <p:sldId id="261" r:id="rId6"/>
+    <p:sldId id="262" r:id="rId7"/>
+    <p:sldId id="263" r:id="rId8"/>
+    <p:sldId id="264" r:id="rId9"/>
+    <p:sldId id="265" r:id="rId10"/>
   </p:sldIdLst>
   <p:sldSz cx="12192000" cy="6858000"/>
   <p:notesSz cx="6858000" cy="9144000"/>
@@ -245,6 +246,7 @@
           <a:p>
             <a:fld id="{FDE934FF-F4E1-47C5-9CA5-30A81DDE2BE4}" type="datetimeFigureOut">
               <a:rPr lang="en-US" smtClean="0"/>
+              <a:t>3/10/2017</a:t>
             </a:fld>
             <a:endParaRPr lang="en-US"/>
           </a:p>
@@ -286,6 +288,7 @@
           <a:p>
             <a:fld id="{B3561BA9-CDCF-4958-B8AB-66F3BF063E13}" type="slidenum">
               <a:rPr lang="en-US" smtClean="0"/>
+              <a:t>‹#›</a:t>
             </a:fld>
             <a:endParaRPr lang="en-US"/>
           </a:p>
@@ -359,7 +362,6 @@
               <a:rPr lang="en-US" smtClean="0"/>
               <a:t>Click to edit Master text styles</a:t>
             </a:r>
-            <a:endParaRPr lang="en-US" smtClean="0"/>
           </a:p>
           <a:p>
             <a:pPr lvl="1"/>
@@ -367,7 +369,6 @@
               <a:rPr lang="en-US" smtClean="0"/>
               <a:t>Second level</a:t>
             </a:r>
-            <a:endParaRPr lang="en-US" smtClean="0"/>
           </a:p>
           <a:p>
             <a:pPr lvl="2"/>
@@ -375,7 +376,6 @@
               <a:rPr lang="en-US" smtClean="0"/>
               <a:t>Third level</a:t>
             </a:r>
-            <a:endParaRPr lang="en-US" smtClean="0"/>
           </a:p>
           <a:p>
             <a:pPr lvl="3"/>
@@ -383,7 +383,6 @@
               <a:rPr lang="en-US" smtClean="0"/>
               <a:t>Fourth level</a:t>
             </a:r>
-            <a:endParaRPr lang="en-US" smtClean="0"/>
           </a:p>
           <a:p>
             <a:pPr lvl="4"/>
@@ -412,6 +411,7 @@
           <a:p>
             <a:fld id="{FDE934FF-F4E1-47C5-9CA5-30A81DDE2BE4}" type="datetimeFigureOut">
               <a:rPr lang="en-US" smtClean="0"/>
+              <a:t>3/10/2017</a:t>
             </a:fld>
             <a:endParaRPr lang="en-US"/>
           </a:p>
@@ -453,6 +453,7 @@
           <a:p>
             <a:fld id="{B3561BA9-CDCF-4958-B8AB-66F3BF063E13}" type="slidenum">
               <a:rPr lang="en-US" smtClean="0"/>
+              <a:t>‹#›</a:t>
             </a:fld>
             <a:endParaRPr lang="en-US"/>
           </a:p>
@@ -536,7 +537,6 @@
               <a:rPr lang="en-US" smtClean="0"/>
               <a:t>Click to edit Master text styles</a:t>
             </a:r>
-            <a:endParaRPr lang="en-US" smtClean="0"/>
           </a:p>
           <a:p>
             <a:pPr lvl="1"/>
@@ -544,7 +544,6 @@
               <a:rPr lang="en-US" smtClean="0"/>
               <a:t>Second level</a:t>
             </a:r>
-            <a:endParaRPr lang="en-US" smtClean="0"/>
           </a:p>
           <a:p>
             <a:pPr lvl="2"/>
@@ -552,7 +551,6 @@
               <a:rPr lang="en-US" smtClean="0"/>
               <a:t>Third level</a:t>
             </a:r>
-            <a:endParaRPr lang="en-US" smtClean="0"/>
           </a:p>
           <a:p>
             <a:pPr lvl="3"/>
@@ -560,7 +558,6 @@
               <a:rPr lang="en-US" smtClean="0"/>
               <a:t>Fourth level</a:t>
             </a:r>
-            <a:endParaRPr lang="en-US" smtClean="0"/>
           </a:p>
           <a:p>
             <a:pPr lvl="4"/>
@@ -589,6 +586,7 @@
           <a:p>
             <a:fld id="{FDE934FF-F4E1-47C5-9CA5-30A81DDE2BE4}" type="datetimeFigureOut">
               <a:rPr lang="en-US" smtClean="0"/>
+              <a:t>3/10/2017</a:t>
             </a:fld>
             <a:endParaRPr lang="en-US"/>
           </a:p>
@@ -630,6 +628,7 @@
           <a:p>
             <a:fld id="{B3561BA9-CDCF-4958-B8AB-66F3BF063E13}" type="slidenum">
               <a:rPr lang="en-US" smtClean="0"/>
+              <a:t>‹#›</a:t>
             </a:fld>
             <a:endParaRPr lang="en-US"/>
           </a:p>
@@ -703,7 +702,6 @@
               <a:rPr lang="en-US" smtClean="0"/>
               <a:t>Click to edit Master text styles</a:t>
             </a:r>
-            <a:endParaRPr lang="en-US" smtClean="0"/>
           </a:p>
           <a:p>
             <a:pPr lvl="1"/>
@@ -711,7 +709,6 @@
               <a:rPr lang="en-US" smtClean="0"/>
               <a:t>Second level</a:t>
             </a:r>
-            <a:endParaRPr lang="en-US" smtClean="0"/>
           </a:p>
           <a:p>
             <a:pPr lvl="2"/>
@@ -719,7 +716,6 @@
               <a:rPr lang="en-US" smtClean="0"/>
               <a:t>Third level</a:t>
             </a:r>
-            <a:endParaRPr lang="en-US" smtClean="0"/>
           </a:p>
           <a:p>
             <a:pPr lvl="3"/>
@@ -727,7 +723,6 @@
               <a:rPr lang="en-US" smtClean="0"/>
               <a:t>Fourth level</a:t>
             </a:r>
-            <a:endParaRPr lang="en-US" smtClean="0"/>
           </a:p>
           <a:p>
             <a:pPr lvl="4"/>
@@ -756,6 +751,7 @@
           <a:p>
             <a:fld id="{FDE934FF-F4E1-47C5-9CA5-30A81DDE2BE4}" type="datetimeFigureOut">
               <a:rPr lang="en-US" smtClean="0"/>
+              <a:t>3/10/2017</a:t>
             </a:fld>
             <a:endParaRPr lang="en-US"/>
           </a:p>
@@ -797,6 +793,7 @@
           <a:p>
             <a:fld id="{B3561BA9-CDCF-4958-B8AB-66F3BF063E13}" type="slidenum">
               <a:rPr lang="en-US" smtClean="0"/>
+              <a:t>‹#›</a:t>
             </a:fld>
             <a:endParaRPr lang="en-US"/>
           </a:p>
@@ -995,6 +992,7 @@
           <a:p>
             <a:fld id="{FDE934FF-F4E1-47C5-9CA5-30A81DDE2BE4}" type="datetimeFigureOut">
               <a:rPr lang="en-US" smtClean="0"/>
+              <a:t>3/10/2017</a:t>
             </a:fld>
             <a:endParaRPr lang="en-US"/>
           </a:p>
@@ -1036,6 +1034,7 @@
           <a:p>
             <a:fld id="{B3561BA9-CDCF-4958-B8AB-66F3BF063E13}" type="slidenum">
               <a:rPr lang="en-US" smtClean="0"/>
+              <a:t>‹#›</a:t>
             </a:fld>
             <a:endParaRPr lang="en-US"/>
           </a:p>
@@ -1114,7 +1113,6 @@
               <a:rPr lang="en-US" smtClean="0"/>
               <a:t>Click to edit Master text styles</a:t>
             </a:r>
-            <a:endParaRPr lang="en-US" smtClean="0"/>
           </a:p>
           <a:p>
             <a:pPr lvl="1"/>
@@ -1122,7 +1120,6 @@
               <a:rPr lang="en-US" smtClean="0"/>
               <a:t>Second level</a:t>
             </a:r>
-            <a:endParaRPr lang="en-US" smtClean="0"/>
           </a:p>
           <a:p>
             <a:pPr lvl="2"/>
@@ -1130,7 +1127,6 @@
               <a:rPr lang="en-US" smtClean="0"/>
               <a:t>Third level</a:t>
             </a:r>
-            <a:endParaRPr lang="en-US" smtClean="0"/>
           </a:p>
           <a:p>
             <a:pPr lvl="3"/>
@@ -1138,7 +1134,6 @@
               <a:rPr lang="en-US" smtClean="0"/>
               <a:t>Fourth level</a:t>
             </a:r>
-            <a:endParaRPr lang="en-US" smtClean="0"/>
           </a:p>
           <a:p>
             <a:pPr lvl="4"/>
@@ -1175,7 +1170,6 @@
               <a:rPr lang="en-US" smtClean="0"/>
               <a:t>Click to edit Master text styles</a:t>
             </a:r>
-            <a:endParaRPr lang="en-US" smtClean="0"/>
           </a:p>
           <a:p>
             <a:pPr lvl="1"/>
@@ -1183,7 +1177,6 @@
               <a:rPr lang="en-US" smtClean="0"/>
               <a:t>Second level</a:t>
             </a:r>
-            <a:endParaRPr lang="en-US" smtClean="0"/>
           </a:p>
           <a:p>
             <a:pPr lvl="2"/>
@@ -1191,7 +1184,6 @@
               <a:rPr lang="en-US" smtClean="0"/>
               <a:t>Third level</a:t>
             </a:r>
-            <a:endParaRPr lang="en-US" smtClean="0"/>
           </a:p>
           <a:p>
             <a:pPr lvl="3"/>
@@ -1199,7 +1191,6 @@
               <a:rPr lang="en-US" smtClean="0"/>
               <a:t>Fourth level</a:t>
             </a:r>
-            <a:endParaRPr lang="en-US" smtClean="0"/>
           </a:p>
           <a:p>
             <a:pPr lvl="4"/>
@@ -1228,6 +1219,7 @@
           <a:p>
             <a:fld id="{FDE934FF-F4E1-47C5-9CA5-30A81DDE2BE4}" type="datetimeFigureOut">
               <a:rPr lang="en-US" smtClean="0"/>
+              <a:t>3/10/2017</a:t>
             </a:fld>
             <a:endParaRPr lang="en-US"/>
           </a:p>
@@ -1269,6 +1261,7 @@
           <a:p>
             <a:fld id="{B3561BA9-CDCF-4958-B8AB-66F3BF063E13}" type="slidenum">
               <a:rPr lang="en-US" smtClean="0"/>
+              <a:t>‹#›</a:t>
             </a:fld>
             <a:endParaRPr lang="en-US"/>
           </a:p>
@@ -1417,7 +1410,6 @@
               <a:rPr lang="en-US" smtClean="0"/>
               <a:t>Click to edit Master text styles</a:t>
             </a:r>
-            <a:endParaRPr lang="en-US" smtClean="0"/>
           </a:p>
           <a:p>
             <a:pPr lvl="1"/>
@@ -1425,7 +1417,6 @@
               <a:rPr lang="en-US" smtClean="0"/>
               <a:t>Second level</a:t>
             </a:r>
-            <a:endParaRPr lang="en-US" smtClean="0"/>
           </a:p>
           <a:p>
             <a:pPr lvl="2"/>
@@ -1433,7 +1424,6 @@
               <a:rPr lang="en-US" smtClean="0"/>
               <a:t>Third level</a:t>
             </a:r>
-            <a:endParaRPr lang="en-US" smtClean="0"/>
           </a:p>
           <a:p>
             <a:pPr lvl="3"/>
@@ -1441,7 +1431,6 @@
               <a:rPr lang="en-US" smtClean="0"/>
               <a:t>Fourth level</a:t>
             </a:r>
-            <a:endParaRPr lang="en-US" smtClean="0"/>
           </a:p>
           <a:p>
             <a:pPr lvl="4"/>
@@ -1543,7 +1532,6 @@
               <a:rPr lang="en-US" smtClean="0"/>
               <a:t>Click to edit Master text styles</a:t>
             </a:r>
-            <a:endParaRPr lang="en-US" smtClean="0"/>
           </a:p>
           <a:p>
             <a:pPr lvl="1"/>
@@ -1551,7 +1539,6 @@
               <a:rPr lang="en-US" smtClean="0"/>
               <a:t>Second level</a:t>
             </a:r>
-            <a:endParaRPr lang="en-US" smtClean="0"/>
           </a:p>
           <a:p>
             <a:pPr lvl="2"/>
@@ -1559,7 +1546,6 @@
               <a:rPr lang="en-US" smtClean="0"/>
               <a:t>Third level</a:t>
             </a:r>
-            <a:endParaRPr lang="en-US" smtClean="0"/>
           </a:p>
           <a:p>
             <a:pPr lvl="3"/>
@@ -1567,7 +1553,6 @@
               <a:rPr lang="en-US" smtClean="0"/>
               <a:t>Fourth level</a:t>
             </a:r>
-            <a:endParaRPr lang="en-US" smtClean="0"/>
           </a:p>
           <a:p>
             <a:pPr lvl="4"/>
@@ -1596,6 +1581,7 @@
           <a:p>
             <a:fld id="{FDE934FF-F4E1-47C5-9CA5-30A81DDE2BE4}" type="datetimeFigureOut">
               <a:rPr lang="en-US" smtClean="0"/>
+              <a:t>3/10/2017</a:t>
             </a:fld>
             <a:endParaRPr lang="en-US"/>
           </a:p>
@@ -1637,6 +1623,7 @@
           <a:p>
             <a:fld id="{B3561BA9-CDCF-4958-B8AB-66F3BF063E13}" type="slidenum">
               <a:rPr lang="en-US" smtClean="0"/>
+              <a:t>‹#›</a:t>
             </a:fld>
             <a:endParaRPr lang="en-US"/>
           </a:p>
@@ -1707,6 +1694,7 @@
           <a:p>
             <a:fld id="{FDE934FF-F4E1-47C5-9CA5-30A81DDE2BE4}" type="datetimeFigureOut">
               <a:rPr lang="en-US" smtClean="0"/>
+              <a:t>3/10/2017</a:t>
             </a:fld>
             <a:endParaRPr lang="en-US"/>
           </a:p>
@@ -1748,6 +1736,7 @@
           <a:p>
             <a:fld id="{B3561BA9-CDCF-4958-B8AB-66F3BF063E13}" type="slidenum">
               <a:rPr lang="en-US" smtClean="0"/>
+              <a:t>‹#›</a:t>
             </a:fld>
             <a:endParaRPr lang="en-US"/>
           </a:p>
@@ -1795,6 +1784,7 @@
           <a:p>
             <a:fld id="{FDE934FF-F4E1-47C5-9CA5-30A81DDE2BE4}" type="datetimeFigureOut">
               <a:rPr lang="en-US" smtClean="0"/>
+              <a:t>3/10/2017</a:t>
             </a:fld>
             <a:endParaRPr lang="en-US"/>
           </a:p>
@@ -1836,6 +1826,7 @@
           <a:p>
             <a:fld id="{B3561BA9-CDCF-4958-B8AB-66F3BF063E13}" type="slidenum">
               <a:rPr lang="en-US" smtClean="0"/>
+              <a:t>‹#›</a:t>
             </a:fld>
             <a:endParaRPr lang="en-US"/>
           </a:p>
@@ -1951,7 +1942,6 @@
               <a:rPr lang="en-US" smtClean="0"/>
               <a:t>Click to edit Master text styles</a:t>
             </a:r>
-            <a:endParaRPr lang="en-US" smtClean="0"/>
           </a:p>
           <a:p>
             <a:pPr lvl="1"/>
@@ -1959,7 +1949,6 @@
               <a:rPr lang="en-US" smtClean="0"/>
               <a:t>Second level</a:t>
             </a:r>
-            <a:endParaRPr lang="en-US" smtClean="0"/>
           </a:p>
           <a:p>
             <a:pPr lvl="2"/>
@@ -1967,7 +1956,6 @@
               <a:rPr lang="en-US" smtClean="0"/>
               <a:t>Third level</a:t>
             </a:r>
-            <a:endParaRPr lang="en-US" smtClean="0"/>
           </a:p>
           <a:p>
             <a:pPr lvl="3"/>
@@ -1975,7 +1963,6 @@
               <a:rPr lang="en-US" smtClean="0"/>
               <a:t>Fourth level</a:t>
             </a:r>
-            <a:endParaRPr lang="en-US" smtClean="0"/>
           </a:p>
           <a:p>
             <a:pPr lvl="4"/>
@@ -2069,6 +2056,7 @@
           <a:p>
             <a:fld id="{FDE934FF-F4E1-47C5-9CA5-30A81DDE2BE4}" type="datetimeFigureOut">
               <a:rPr lang="en-US" smtClean="0"/>
+              <a:t>3/10/2017</a:t>
             </a:fld>
             <a:endParaRPr lang="en-US"/>
           </a:p>
@@ -2110,6 +2098,7 @@
           <a:p>
             <a:fld id="{B3561BA9-CDCF-4958-B8AB-66F3BF063E13}" type="slidenum">
               <a:rPr lang="en-US" smtClean="0"/>
+              <a:t>‹#›</a:t>
             </a:fld>
             <a:endParaRPr lang="en-US"/>
           </a:p>
@@ -2315,6 +2304,7 @@
           <a:p>
             <a:fld id="{FDE934FF-F4E1-47C5-9CA5-30A81DDE2BE4}" type="datetimeFigureOut">
               <a:rPr lang="en-US" smtClean="0"/>
+              <a:t>3/10/2017</a:t>
             </a:fld>
             <a:endParaRPr lang="en-US"/>
           </a:p>
@@ -2356,6 +2346,7 @@
           <a:p>
             <a:fld id="{B3561BA9-CDCF-4958-B8AB-66F3BF063E13}" type="slidenum">
               <a:rPr lang="en-US" smtClean="0"/>
+              <a:t>‹#›</a:t>
             </a:fld>
             <a:endParaRPr lang="en-US"/>
           </a:p>
@@ -2461,7 +2452,6 @@
               <a:rPr lang="en-US" smtClean="0"/>
               <a:t>Click to edit Master text styles</a:t>
             </a:r>
-            <a:endParaRPr lang="en-US" smtClean="0"/>
           </a:p>
           <a:p>
             <a:pPr lvl="1"/>
@@ -2469,7 +2459,6 @@
               <a:rPr lang="en-US" smtClean="0"/>
               <a:t>Second level</a:t>
             </a:r>
-            <a:endParaRPr lang="en-US" smtClean="0"/>
           </a:p>
           <a:p>
             <a:pPr lvl="2"/>
@@ -2477,7 +2466,6 @@
               <a:rPr lang="en-US" smtClean="0"/>
               <a:t>Third level</a:t>
             </a:r>
-            <a:endParaRPr lang="en-US" smtClean="0"/>
           </a:p>
           <a:p>
             <a:pPr lvl="3"/>
@@ -2485,7 +2473,6 @@
               <a:rPr lang="en-US" smtClean="0"/>
               <a:t>Fourth level</a:t>
             </a:r>
-            <a:endParaRPr lang="en-US" smtClean="0"/>
           </a:p>
           <a:p>
             <a:pPr lvl="4"/>
@@ -2532,6 +2519,7 @@
           <a:p>
             <a:fld id="{FDE934FF-F4E1-47C5-9CA5-30A81DDE2BE4}" type="datetimeFigureOut">
               <a:rPr lang="en-US" smtClean="0"/>
+              <a:t>3/10/2017</a:t>
             </a:fld>
             <a:endParaRPr lang="en-US"/>
           </a:p>
@@ -2609,6 +2597,7 @@
           <a:p>
             <a:fld id="{B3561BA9-CDCF-4958-B8AB-66F3BF063E13}" type="slidenum">
               <a:rPr lang="en-US" smtClean="0"/>
+              <a:t>‹#›</a:t>
             </a:fld>
             <a:endParaRPr lang="en-US"/>
           </a:p>
@@ -2922,7 +2911,14 @@
         <p:cNvGrpSpPr/>
         <p:nvPr/>
       </p:nvGrpSpPr>
-      <p:grpSpPr/>
+      <p:grpSpPr>
+        <a:xfrm>
+          <a:off x="0" y="0"/>
+          <a:ext cx="0" cy="0"/>
+          <a:chOff x="0" y="0"/>
+          <a:chExt cx="0" cy="0"/>
+        </a:xfrm>
+      </p:grpSpPr>
       <p:sp>
         <p:nvSpPr>
           <p:cNvPr id="2" name="Title 1"/>
@@ -2936,6 +2932,7 @@
         <p:spPr/>
         <p:txBody>
           <a:bodyPr/>
+          <a:lstStyle/>
           <a:p>
             <a:endParaRPr lang="en-US"/>
           </a:p>
@@ -2954,60 +2951,54 @@
         <p:spPr/>
         <p:txBody>
           <a:bodyPr/>
-          <a:p>
-            <a:r>
-              <a:rPr lang="x-none" altLang="en-US"/>
+          <a:lstStyle/>
+          <a:p>
+            <a:r>
+              <a:rPr lang="x-none" altLang="en-US" dirty="0"/>
               <a:t>tar [-cxtzjvfpPN] 文件与目录</a:t>
             </a:r>
-            <a:endParaRPr lang="x-none" altLang="en-US"/>
           </a:p>
           <a:p>
             <a:pPr lvl="1"/>
             <a:r>
-              <a:rPr lang="x-none" altLang="en-US"/>
+              <a:rPr lang="x-none" altLang="en-US" dirty="0"/>
               <a:t>-c ：建立一个压缩文件的参数指令(create 的意思)；</a:t>
             </a:r>
-            <a:endParaRPr lang="x-none" altLang="en-US"/>
           </a:p>
           <a:p>
             <a:pPr lvl="1"/>
             <a:r>
-              <a:rPr lang="x-none" altLang="en-US"/>
+              <a:rPr lang="x-none" altLang="en-US" dirty="0"/>
               <a:t>-x ：解开一个压缩文件的参数指令	</a:t>
             </a:r>
-            <a:endParaRPr lang="x-none" altLang="en-US"/>
           </a:p>
           <a:p>
             <a:pPr lvl="1"/>
             <a:r>
-              <a:rPr lang="x-none" altLang="en-US"/>
+              <a:rPr lang="x-none" altLang="en-US" dirty="0"/>
               <a:t>-z ：是否同时具有 gzip 的属性</a:t>
             </a:r>
-            <a:endParaRPr lang="x-none" altLang="en-US"/>
           </a:p>
           <a:p>
             <a:pPr lvl="1"/>
             <a:r>
-              <a:rPr lang="x-none" altLang="en-US"/>
+              <a:rPr lang="x-none" altLang="en-US" dirty="0"/>
               <a:t>-j ：是否同时具有 bzip2 的属性</a:t>
             </a:r>
-            <a:endParaRPr lang="x-none" altLang="en-US"/>
           </a:p>
           <a:p>
             <a:pPr lvl="1"/>
             <a:r>
-              <a:rPr lang="x-none" altLang="en-US"/>
+              <a:rPr lang="x-none" altLang="en-US" dirty="0"/>
               <a:t>-v ：压缩的过程中显示文件</a:t>
             </a:r>
-            <a:endParaRPr lang="x-none" altLang="en-US"/>
           </a:p>
           <a:p>
             <a:pPr lvl="1"/>
             <a:r>
-              <a:rPr lang="x-none" altLang="en-US"/>
+              <a:rPr lang="x-none" altLang="en-US" dirty="0"/>
               <a:t>-f ：*使用档名，必须作为最后一个参数</a:t>
             </a:r>
-            <a:endParaRPr lang="x-none" altLang="en-US"/>
           </a:p>
         </p:txBody>
       </p:sp>
@@ -3016,6 +3007,13 @@
   <p:clrMapOvr>
     <a:masterClrMapping/>
   </p:clrMapOvr>
+  <p:timing>
+    <p:tnLst>
+      <p:par>
+        <p:cTn id="1" dur="indefinite" restart="never" nodeType="tmRoot"/>
+      </p:par>
+    </p:tnLst>
+  </p:timing>
 </p:sld>
 </file>
 
@@ -3028,7 +3026,14 @@
         <p:cNvGrpSpPr/>
         <p:nvPr/>
       </p:nvGrpSpPr>
-      <p:grpSpPr/>
+      <p:grpSpPr>
+        <a:xfrm>
+          <a:off x="0" y="0"/>
+          <a:ext cx="0" cy="0"/>
+          <a:chOff x="0" y="0"/>
+          <a:chExt cx="0" cy="0"/>
+        </a:xfrm>
+      </p:grpSpPr>
       <p:sp>
         <p:nvSpPr>
           <p:cNvPr id="2" name="Title 1"/>
@@ -3042,6 +3047,7 @@
         <p:spPr/>
         <p:txBody>
           <a:bodyPr/>
+          <a:lstStyle/>
           <a:p>
             <a:endParaRPr lang="en-US"/>
           </a:p>
@@ -3060,105 +3066,98 @@
         <p:spPr/>
         <p:txBody>
           <a:bodyPr/>
+          <a:lstStyle/>
           <a:p>
             <a:pPr marL="0" indent="0">
               <a:buNone/>
             </a:pPr>
             <a:r>
-              <a:rPr lang="x-none" altLang="en-US"/>
+              <a:rPr lang="x-none" altLang="en-US" dirty="0"/>
               <a:t>tar -cvf files.tar files</a:t>
             </a:r>
-            <a:endParaRPr lang="x-none" altLang="en-US"/>
           </a:p>
           <a:p>
             <a:pPr marL="457200" lvl="1" indent="0">
               <a:buNone/>
             </a:pPr>
             <a:r>
-              <a:rPr lang="x-none" altLang="en-US"/>
+              <a:rPr lang="x-none" altLang="en-US" dirty="0"/>
               <a:t>只打包，不进行压缩</a:t>
             </a:r>
-            <a:endParaRPr lang="x-none" altLang="en-US"/>
           </a:p>
           <a:p>
             <a:pPr marL="457200" lvl="1" indent="0">
               <a:buNone/>
             </a:pPr>
-            <a:endParaRPr lang="x-none" altLang="en-US"/>
+            <a:endParaRPr lang="x-none" altLang="en-US" dirty="0"/>
           </a:p>
           <a:p>
             <a:pPr marL="0" lvl="0" indent="0">
               <a:buNone/>
             </a:pPr>
             <a:r>
-              <a:rPr lang="x-none" altLang="en-US"/>
+              <a:rPr lang="x-none" altLang="en-US" dirty="0"/>
               <a:t>tar -zcvf files.tar files</a:t>
             </a:r>
-            <a:endParaRPr lang="x-none" altLang="en-US"/>
           </a:p>
           <a:p>
             <a:pPr marL="0" lvl="0" indent="0">
               <a:buNone/>
             </a:pPr>
             <a:r>
-              <a:rPr lang="x-none" altLang="en-US"/>
+              <a:rPr lang="x-none" altLang="en-US" dirty="0"/>
               <a:t>	打包并进行压缩</a:t>
             </a:r>
-            <a:endParaRPr lang="x-none" altLang="en-US"/>
           </a:p>
           <a:p>
             <a:pPr marL="0" lvl="0" indent="0">
               <a:buNone/>
             </a:pPr>
             <a:r>
-              <a:rPr lang="x-none" altLang="en-US"/>
+              <a:rPr lang="x-none" altLang="en-US" dirty="0"/>
               <a:t>tar -xvf files.tar</a:t>
             </a:r>
-            <a:endParaRPr lang="x-none" altLang="en-US"/>
           </a:p>
           <a:p>
             <a:pPr marL="0" lvl="0" indent="0">
               <a:buNone/>
             </a:pPr>
             <a:r>
-              <a:rPr lang="x-none" altLang="en-US"/>
+              <a:rPr lang="x-none" altLang="en-US" dirty="0"/>
               <a:t>	解包</a:t>
             </a:r>
-            <a:endParaRPr lang="x-none" altLang="en-US"/>
           </a:p>
           <a:p>
             <a:pPr marL="0" lvl="0" indent="0">
               <a:buNone/>
             </a:pPr>
             <a:r>
-              <a:rPr lang="x-none" altLang="en-US"/>
+              <a:rPr lang="x-none" altLang="en-US" dirty="0"/>
               <a:t>tar -zxvf files.tar.gz</a:t>
             </a:r>
-            <a:endParaRPr lang="x-none" altLang="en-US"/>
           </a:p>
           <a:p>
             <a:pPr marL="0" lvl="0" indent="0">
               <a:buNone/>
             </a:pPr>
             <a:r>
-              <a:rPr lang="x-none" altLang="en-US"/>
+              <a:rPr lang="x-none" altLang="en-US" dirty="0"/>
               <a:t>	解包并解压缩</a:t>
             </a:r>
-            <a:endParaRPr lang="x-none" altLang="en-US"/>
           </a:p>
           <a:p>
             <a:pPr lvl="1"/>
-            <a:endParaRPr lang="x-none" altLang="en-US"/>
+            <a:endParaRPr lang="x-none" altLang="en-US" dirty="0"/>
           </a:p>
           <a:p>
             <a:pPr lvl="1"/>
-            <a:endParaRPr lang="x-none" altLang="en-US"/>
+            <a:endParaRPr lang="x-none" altLang="en-US" dirty="0"/>
           </a:p>
           <a:p>
             <a:pPr marL="457200" lvl="1" indent="0">
               <a:buNone/>
             </a:pPr>
-            <a:endParaRPr lang="x-none" altLang="en-US"/>
+            <a:endParaRPr lang="x-none" altLang="en-US" dirty="0"/>
           </a:p>
         </p:txBody>
       </p:sp>
@@ -3167,6 +3166,356 @@
   <p:clrMapOvr>
     <a:masterClrMapping/>
   </p:clrMapOvr>
+  <p:timing>
+    <p:tnLst>
+      <p:par>
+        <p:cTn id="1" dur="indefinite" restart="never" nodeType="tmRoot">
+          <p:childTnLst>
+            <p:seq concurrent="1" nextAc="seek">
+              <p:cTn id="2" dur="indefinite" nodeType="mainSeq">
+                <p:childTnLst>
+                  <p:par>
+                    <p:cTn id="3" fill="hold">
+                      <p:stCondLst>
+                        <p:cond delay="indefinite"/>
+                      </p:stCondLst>
+                      <p:childTnLst>
+                        <p:par>
+                          <p:cTn id="4" fill="hold">
+                            <p:stCondLst>
+                              <p:cond delay="0"/>
+                            </p:stCondLst>
+                            <p:childTnLst>
+                              <p:par>
+                                <p:cTn id="5" presetID="1" presetClass="entr" presetSubtype="0" fill="hold" nodeType="clickEffect">
+                                  <p:stCondLst>
+                                    <p:cond delay="0"/>
+                                  </p:stCondLst>
+                                  <p:childTnLst>
+                                    <p:set>
+                                      <p:cBhvr>
+                                        <p:cTn id="6" dur="1" fill="hold">
+                                          <p:stCondLst>
+                                            <p:cond delay="0"/>
+                                          </p:stCondLst>
+                                        </p:cTn>
+                                        <p:tgtEl>
+                                          <p:spTgt spid="3">
+                                            <p:txEl>
+                                              <p:pRg st="0" end="0"/>
+                                            </p:txEl>
+                                          </p:spTgt>
+                                        </p:tgtEl>
+                                        <p:attrNameLst>
+                                          <p:attrName>style.visibility</p:attrName>
+                                        </p:attrNameLst>
+                                      </p:cBhvr>
+                                      <p:to>
+                                        <p:strVal val="visible"/>
+                                      </p:to>
+                                    </p:set>
+                                  </p:childTnLst>
+                                </p:cTn>
+                              </p:par>
+                              <p:par>
+                                <p:cTn id="7" presetID="1" presetClass="entr" presetSubtype="0" fill="hold" nodeType="withEffect">
+                                  <p:stCondLst>
+                                    <p:cond delay="0"/>
+                                  </p:stCondLst>
+                                  <p:childTnLst>
+                                    <p:set>
+                                      <p:cBhvr>
+                                        <p:cTn id="8" dur="1" fill="hold">
+                                          <p:stCondLst>
+                                            <p:cond delay="0"/>
+                                          </p:stCondLst>
+                                        </p:cTn>
+                                        <p:tgtEl>
+                                          <p:spTgt spid="3">
+                                            <p:txEl>
+                                              <p:pRg st="1" end="1"/>
+                                            </p:txEl>
+                                          </p:spTgt>
+                                        </p:tgtEl>
+                                        <p:attrNameLst>
+                                          <p:attrName>style.visibility</p:attrName>
+                                        </p:attrNameLst>
+                                      </p:cBhvr>
+                                      <p:to>
+                                        <p:strVal val="visible"/>
+                                      </p:to>
+                                    </p:set>
+                                  </p:childTnLst>
+                                </p:cTn>
+                              </p:par>
+                            </p:childTnLst>
+                          </p:cTn>
+                        </p:par>
+                      </p:childTnLst>
+                    </p:cTn>
+                  </p:par>
+                  <p:par>
+                    <p:cTn id="9" fill="hold">
+                      <p:stCondLst>
+                        <p:cond delay="indefinite"/>
+                      </p:stCondLst>
+                      <p:childTnLst>
+                        <p:par>
+                          <p:cTn id="10" fill="hold">
+                            <p:stCondLst>
+                              <p:cond delay="0"/>
+                            </p:stCondLst>
+                            <p:childTnLst>
+                              <p:par>
+                                <p:cTn id="11" presetID="1" presetClass="entr" presetSubtype="0" fill="hold" nodeType="clickEffect">
+                                  <p:stCondLst>
+                                    <p:cond delay="0"/>
+                                  </p:stCondLst>
+                                  <p:childTnLst>
+                                    <p:set>
+                                      <p:cBhvr>
+                                        <p:cTn id="12" dur="1" fill="hold">
+                                          <p:stCondLst>
+                                            <p:cond delay="0"/>
+                                          </p:stCondLst>
+                                        </p:cTn>
+                                        <p:tgtEl>
+                                          <p:spTgt spid="3">
+                                            <p:txEl>
+                                              <p:pRg st="3" end="3"/>
+                                            </p:txEl>
+                                          </p:spTgt>
+                                        </p:tgtEl>
+                                        <p:attrNameLst>
+                                          <p:attrName>style.visibility</p:attrName>
+                                        </p:attrNameLst>
+                                      </p:cBhvr>
+                                      <p:to>
+                                        <p:strVal val="visible"/>
+                                      </p:to>
+                                    </p:set>
+                                  </p:childTnLst>
+                                </p:cTn>
+                              </p:par>
+                              <p:par>
+                                <p:cTn id="13" presetID="1" presetClass="entr" presetSubtype="0" fill="hold" nodeType="withEffect">
+                                  <p:stCondLst>
+                                    <p:cond delay="0"/>
+                                  </p:stCondLst>
+                                  <p:childTnLst>
+                                    <p:set>
+                                      <p:cBhvr>
+                                        <p:cTn id="14" dur="1" fill="hold">
+                                          <p:stCondLst>
+                                            <p:cond delay="0"/>
+                                          </p:stCondLst>
+                                        </p:cTn>
+                                        <p:tgtEl>
+                                          <p:spTgt spid="3">
+                                            <p:txEl>
+                                              <p:pRg st="4" end="4"/>
+                                            </p:txEl>
+                                          </p:spTgt>
+                                        </p:tgtEl>
+                                        <p:attrNameLst>
+                                          <p:attrName>style.visibility</p:attrName>
+                                        </p:attrNameLst>
+                                      </p:cBhvr>
+                                      <p:to>
+                                        <p:strVal val="visible"/>
+                                      </p:to>
+                                    </p:set>
+                                  </p:childTnLst>
+                                </p:cTn>
+                              </p:par>
+                            </p:childTnLst>
+                          </p:cTn>
+                        </p:par>
+                      </p:childTnLst>
+                    </p:cTn>
+                  </p:par>
+                  <p:par>
+                    <p:cTn id="15" fill="hold">
+                      <p:stCondLst>
+                        <p:cond delay="indefinite"/>
+                      </p:stCondLst>
+                      <p:childTnLst>
+                        <p:par>
+                          <p:cTn id="16" fill="hold">
+                            <p:stCondLst>
+                              <p:cond delay="0"/>
+                            </p:stCondLst>
+                            <p:childTnLst>
+                              <p:par>
+                                <p:cTn id="17" presetID="1" presetClass="entr" presetSubtype="0" fill="hold" nodeType="clickEffect">
+                                  <p:stCondLst>
+                                    <p:cond delay="0"/>
+                                  </p:stCondLst>
+                                  <p:childTnLst>
+                                    <p:set>
+                                      <p:cBhvr>
+                                        <p:cTn id="18" dur="1" fill="hold">
+                                          <p:stCondLst>
+                                            <p:cond delay="0"/>
+                                          </p:stCondLst>
+                                        </p:cTn>
+                                        <p:tgtEl>
+                                          <p:spTgt spid="3">
+                                            <p:txEl>
+                                              <p:pRg st="5" end="5"/>
+                                            </p:txEl>
+                                          </p:spTgt>
+                                        </p:tgtEl>
+                                        <p:attrNameLst>
+                                          <p:attrName>style.visibility</p:attrName>
+                                        </p:attrNameLst>
+                                      </p:cBhvr>
+                                      <p:to>
+                                        <p:strVal val="visible"/>
+                                      </p:to>
+                                    </p:set>
+                                  </p:childTnLst>
+                                </p:cTn>
+                              </p:par>
+                              <p:par>
+                                <p:cTn id="19" presetID="1" presetClass="entr" presetSubtype="0" fill="hold" nodeType="withEffect">
+                                  <p:stCondLst>
+                                    <p:cond delay="0"/>
+                                  </p:stCondLst>
+                                  <p:childTnLst>
+                                    <p:set>
+                                      <p:cBhvr>
+                                        <p:cTn id="20" dur="1" fill="hold">
+                                          <p:stCondLst>
+                                            <p:cond delay="0"/>
+                                          </p:stCondLst>
+                                        </p:cTn>
+                                        <p:tgtEl>
+                                          <p:spTgt spid="3">
+                                            <p:txEl>
+                                              <p:pRg st="6" end="6"/>
+                                            </p:txEl>
+                                          </p:spTgt>
+                                        </p:tgtEl>
+                                        <p:attrNameLst>
+                                          <p:attrName>style.visibility</p:attrName>
+                                        </p:attrNameLst>
+                                      </p:cBhvr>
+                                      <p:to>
+                                        <p:strVal val="visible"/>
+                                      </p:to>
+                                    </p:set>
+                                  </p:childTnLst>
+                                </p:cTn>
+                              </p:par>
+                            </p:childTnLst>
+                          </p:cTn>
+                        </p:par>
+                      </p:childTnLst>
+                    </p:cTn>
+                  </p:par>
+                  <p:par>
+                    <p:cTn id="21" fill="hold">
+                      <p:stCondLst>
+                        <p:cond delay="indefinite"/>
+                      </p:stCondLst>
+                      <p:childTnLst>
+                        <p:par>
+                          <p:cTn id="22" fill="hold">
+                            <p:stCondLst>
+                              <p:cond delay="0"/>
+                            </p:stCondLst>
+                            <p:childTnLst>
+                              <p:par>
+                                <p:cTn id="23" presetID="1" presetClass="entr" presetSubtype="0" fill="hold" nodeType="clickEffect">
+                                  <p:stCondLst>
+                                    <p:cond delay="0"/>
+                                  </p:stCondLst>
+                                  <p:childTnLst>
+                                    <p:set>
+                                      <p:cBhvr>
+                                        <p:cTn id="24" dur="1" fill="hold">
+                                          <p:stCondLst>
+                                            <p:cond delay="0"/>
+                                          </p:stCondLst>
+                                        </p:cTn>
+                                        <p:tgtEl>
+                                          <p:spTgt spid="3">
+                                            <p:txEl>
+                                              <p:pRg st="7" end="7"/>
+                                            </p:txEl>
+                                          </p:spTgt>
+                                        </p:tgtEl>
+                                        <p:attrNameLst>
+                                          <p:attrName>style.visibility</p:attrName>
+                                        </p:attrNameLst>
+                                      </p:cBhvr>
+                                      <p:to>
+                                        <p:strVal val="visible"/>
+                                      </p:to>
+                                    </p:set>
+                                  </p:childTnLst>
+                                </p:cTn>
+                              </p:par>
+                              <p:par>
+                                <p:cTn id="25" presetID="1" presetClass="entr" presetSubtype="0" fill="hold" nodeType="withEffect">
+                                  <p:stCondLst>
+                                    <p:cond delay="0"/>
+                                  </p:stCondLst>
+                                  <p:childTnLst>
+                                    <p:set>
+                                      <p:cBhvr>
+                                        <p:cTn id="26" dur="1" fill="hold">
+                                          <p:stCondLst>
+                                            <p:cond delay="0"/>
+                                          </p:stCondLst>
+                                        </p:cTn>
+                                        <p:tgtEl>
+                                          <p:spTgt spid="3">
+                                            <p:txEl>
+                                              <p:pRg st="8" end="8"/>
+                                            </p:txEl>
+                                          </p:spTgt>
+                                        </p:tgtEl>
+                                        <p:attrNameLst>
+                                          <p:attrName>style.visibility</p:attrName>
+                                        </p:attrNameLst>
+                                      </p:cBhvr>
+                                      <p:to>
+                                        <p:strVal val="visible"/>
+                                      </p:to>
+                                    </p:set>
+                                  </p:childTnLst>
+                                </p:cTn>
+                              </p:par>
+                            </p:childTnLst>
+                          </p:cTn>
+                        </p:par>
+                      </p:childTnLst>
+                    </p:cTn>
+                  </p:par>
+                </p:childTnLst>
+              </p:cTn>
+              <p:prevCondLst>
+                <p:cond evt="onPrev" delay="0">
+                  <p:tgtEl>
+                    <p:sldTgt/>
+                  </p:tgtEl>
+                </p:cond>
+              </p:prevCondLst>
+              <p:nextCondLst>
+                <p:cond evt="onNext" delay="0">
+                  <p:tgtEl>
+                    <p:sldTgt/>
+                  </p:tgtEl>
+                </p:cond>
+              </p:nextCondLst>
+            </p:seq>
+          </p:childTnLst>
+        </p:cTn>
+      </p:par>
+    </p:tnLst>
+  </p:timing>
 </p:sld>
 </file>
 
@@ -3179,7 +3528,14 @@
         <p:cNvGrpSpPr/>
         <p:nvPr/>
       </p:nvGrpSpPr>
-      <p:grpSpPr/>
+      <p:grpSpPr>
+        <a:xfrm>
+          <a:off x="0" y="0"/>
+          <a:ext cx="0" cy="0"/>
+          <a:chOff x="0" y="0"/>
+          <a:chExt cx="0" cy="0"/>
+        </a:xfrm>
+      </p:grpSpPr>
       <p:sp>
         <p:nvSpPr>
           <p:cNvPr id="2" name="Title 1"/>
@@ -3193,6 +3549,7 @@
         <p:spPr/>
         <p:txBody>
           <a:bodyPr/>
+          <a:lstStyle/>
           <a:p>
             <a:endParaRPr lang="en-US"/>
           </a:p>
@@ -3211,44 +3568,40 @@
         <p:spPr/>
         <p:txBody>
           <a:bodyPr/>
-          <a:p>
-            <a:r>
-              <a:rPr lang="x-none" altLang="en-US" sz="4400"/>
+          <a:lstStyle/>
+          <a:p>
+            <a:r>
+              <a:rPr lang="x-none" altLang="en-US" sz="4400" dirty="0"/>
               <a:t>程序的编译与执行</a:t>
             </a:r>
-            <a:endParaRPr lang="x-none" altLang="en-US" sz="4400"/>
           </a:p>
           <a:p>
             <a:pPr lvl="1"/>
             <a:r>
-              <a:rPr lang="x-none" altLang="en-US" sz="4000"/>
+              <a:rPr lang="x-none" altLang="en-US" sz="4000" dirty="0"/>
               <a:t>预处理</a:t>
             </a:r>
-            <a:endParaRPr lang="x-none" altLang="en-US" sz="4000"/>
           </a:p>
           <a:p>
             <a:pPr lvl="1"/>
             <a:r>
-              <a:rPr lang="x-none" altLang="en-US" sz="4000"/>
+              <a:rPr lang="x-none" altLang="en-US" sz="4000" dirty="0"/>
               <a:t>编译</a:t>
             </a:r>
-            <a:endParaRPr lang="x-none" altLang="en-US" sz="4000"/>
           </a:p>
           <a:p>
             <a:pPr lvl="1"/>
             <a:r>
-              <a:rPr lang="x-none" altLang="en-US" sz="4000"/>
+              <a:rPr lang="x-none" altLang="en-US" sz="4000" dirty="0"/>
               <a:t>汇编</a:t>
             </a:r>
-            <a:endParaRPr lang="x-none" altLang="en-US" sz="4000"/>
           </a:p>
           <a:p>
             <a:pPr lvl="1"/>
             <a:r>
-              <a:rPr lang="x-none" altLang="en-US" sz="4000"/>
+              <a:rPr lang="x-none" altLang="en-US" sz="4000" dirty="0"/>
               <a:t>链接</a:t>
             </a:r>
-            <a:endParaRPr lang="x-none" altLang="en-US" sz="4000"/>
           </a:p>
         </p:txBody>
       </p:sp>
@@ -3257,6 +3610,281 @@
   <p:clrMapOvr>
     <a:masterClrMapping/>
   </p:clrMapOvr>
+  <p:timing>
+    <p:tnLst>
+      <p:par>
+        <p:cTn id="1" dur="indefinite" restart="never" nodeType="tmRoot">
+          <p:childTnLst>
+            <p:seq concurrent="1" nextAc="seek">
+              <p:cTn id="2" dur="indefinite" nodeType="mainSeq">
+                <p:childTnLst>
+                  <p:par>
+                    <p:cTn id="3" fill="hold">
+                      <p:stCondLst>
+                        <p:cond delay="indefinite"/>
+                      </p:stCondLst>
+                      <p:childTnLst>
+                        <p:par>
+                          <p:cTn id="4" fill="hold">
+                            <p:stCondLst>
+                              <p:cond delay="0"/>
+                            </p:stCondLst>
+                            <p:childTnLst>
+                              <p:par>
+                                <p:cTn id="5" presetID="1" presetClass="entr" presetSubtype="0" fill="hold" nodeType="clickEffect">
+                                  <p:stCondLst>
+                                    <p:cond delay="0"/>
+                                  </p:stCondLst>
+                                  <p:childTnLst>
+                                    <p:set>
+                                      <p:cBhvr>
+                                        <p:cTn id="6" dur="1" fill="hold">
+                                          <p:stCondLst>
+                                            <p:cond delay="0"/>
+                                          </p:stCondLst>
+                                        </p:cTn>
+                                        <p:tgtEl>
+                                          <p:spTgt spid="3">
+                                            <p:txEl>
+                                              <p:pRg st="0" end="0"/>
+                                            </p:txEl>
+                                          </p:spTgt>
+                                        </p:tgtEl>
+                                        <p:attrNameLst>
+                                          <p:attrName>style.visibility</p:attrName>
+                                        </p:attrNameLst>
+                                      </p:cBhvr>
+                                      <p:to>
+                                        <p:strVal val="visible"/>
+                                      </p:to>
+                                    </p:set>
+                                  </p:childTnLst>
+                                </p:cTn>
+                              </p:par>
+                            </p:childTnLst>
+                          </p:cTn>
+                        </p:par>
+                      </p:childTnLst>
+                    </p:cTn>
+                  </p:par>
+                  <p:par>
+                    <p:cTn id="7" fill="hold">
+                      <p:stCondLst>
+                        <p:cond delay="indefinite"/>
+                      </p:stCondLst>
+                      <p:childTnLst>
+                        <p:par>
+                          <p:cTn id="8" fill="hold">
+                            <p:stCondLst>
+                              <p:cond delay="0"/>
+                            </p:stCondLst>
+                            <p:childTnLst>
+                              <p:par>
+                                <p:cTn id="9" presetID="1" presetClass="entr" presetSubtype="0" fill="hold" nodeType="clickEffect">
+                                  <p:stCondLst>
+                                    <p:cond delay="0"/>
+                                  </p:stCondLst>
+                                  <p:childTnLst>
+                                    <p:set>
+                                      <p:cBhvr>
+                                        <p:cTn id="10" dur="1" fill="hold">
+                                          <p:stCondLst>
+                                            <p:cond delay="0"/>
+                                          </p:stCondLst>
+                                        </p:cTn>
+                                        <p:tgtEl>
+                                          <p:spTgt spid="3">
+                                            <p:txEl>
+                                              <p:pRg st="1" end="1"/>
+                                            </p:txEl>
+                                          </p:spTgt>
+                                        </p:tgtEl>
+                                        <p:attrNameLst>
+                                          <p:attrName>style.visibility</p:attrName>
+                                        </p:attrNameLst>
+                                      </p:cBhvr>
+                                      <p:to>
+                                        <p:strVal val="visible"/>
+                                      </p:to>
+                                    </p:set>
+                                  </p:childTnLst>
+                                </p:cTn>
+                              </p:par>
+                            </p:childTnLst>
+                          </p:cTn>
+                        </p:par>
+                      </p:childTnLst>
+                    </p:cTn>
+                  </p:par>
+                  <p:par>
+                    <p:cTn id="11" fill="hold">
+                      <p:stCondLst>
+                        <p:cond delay="indefinite"/>
+                      </p:stCondLst>
+                      <p:childTnLst>
+                        <p:par>
+                          <p:cTn id="12" fill="hold">
+                            <p:stCondLst>
+                              <p:cond delay="0"/>
+                            </p:stCondLst>
+                            <p:childTnLst>
+                              <p:par>
+                                <p:cTn id="13" presetID="1" presetClass="entr" presetSubtype="0" fill="hold" nodeType="clickEffect">
+                                  <p:stCondLst>
+                                    <p:cond delay="0"/>
+                                  </p:stCondLst>
+                                  <p:childTnLst>
+                                    <p:set>
+                                      <p:cBhvr>
+                                        <p:cTn id="14" dur="1" fill="hold">
+                                          <p:stCondLst>
+                                            <p:cond delay="0"/>
+                                          </p:stCondLst>
+                                        </p:cTn>
+                                        <p:tgtEl>
+                                          <p:spTgt spid="3">
+                                            <p:txEl>
+                                              <p:pRg st="2" end="2"/>
+                                            </p:txEl>
+                                          </p:spTgt>
+                                        </p:tgtEl>
+                                        <p:attrNameLst>
+                                          <p:attrName>style.visibility</p:attrName>
+                                        </p:attrNameLst>
+                                      </p:cBhvr>
+                                      <p:to>
+                                        <p:strVal val="visible"/>
+                                      </p:to>
+                                    </p:set>
+                                  </p:childTnLst>
+                                </p:cTn>
+                              </p:par>
+                            </p:childTnLst>
+                          </p:cTn>
+                        </p:par>
+                      </p:childTnLst>
+                    </p:cTn>
+                  </p:par>
+                  <p:par>
+                    <p:cTn id="15" fill="hold">
+                      <p:stCondLst>
+                        <p:cond delay="indefinite"/>
+                      </p:stCondLst>
+                      <p:childTnLst>
+                        <p:par>
+                          <p:cTn id="16" fill="hold">
+                            <p:stCondLst>
+                              <p:cond delay="0"/>
+                            </p:stCondLst>
+                            <p:childTnLst>
+                              <p:par>
+                                <p:cTn id="17" presetID="1" presetClass="entr" presetSubtype="0" fill="hold" nodeType="clickEffect">
+                                  <p:stCondLst>
+                                    <p:cond delay="0"/>
+                                  </p:stCondLst>
+                                  <p:childTnLst>
+                                    <p:set>
+                                      <p:cBhvr>
+                                        <p:cTn id="18" dur="1" fill="hold">
+                                          <p:stCondLst>
+                                            <p:cond delay="0"/>
+                                          </p:stCondLst>
+                                        </p:cTn>
+                                        <p:tgtEl>
+                                          <p:spTgt spid="3">
+                                            <p:txEl>
+                                              <p:pRg st="3" end="3"/>
+                                            </p:txEl>
+                                          </p:spTgt>
+                                        </p:tgtEl>
+                                        <p:attrNameLst>
+                                          <p:attrName>style.visibility</p:attrName>
+                                        </p:attrNameLst>
+                                      </p:cBhvr>
+                                      <p:to>
+                                        <p:strVal val="visible"/>
+                                      </p:to>
+                                    </p:set>
+                                  </p:childTnLst>
+                                </p:cTn>
+                              </p:par>
+                            </p:childTnLst>
+                          </p:cTn>
+                        </p:par>
+                      </p:childTnLst>
+                    </p:cTn>
+                  </p:par>
+                  <p:par>
+                    <p:cTn id="19" fill="hold">
+                      <p:stCondLst>
+                        <p:cond delay="indefinite"/>
+                      </p:stCondLst>
+                      <p:childTnLst>
+                        <p:par>
+                          <p:cTn id="20" fill="hold">
+                            <p:stCondLst>
+                              <p:cond delay="0"/>
+                            </p:stCondLst>
+                            <p:childTnLst>
+                              <p:par>
+                                <p:cTn id="21" presetID="1" presetClass="entr" presetSubtype="0" fill="hold" nodeType="clickEffect">
+                                  <p:stCondLst>
+                                    <p:cond delay="0"/>
+                                  </p:stCondLst>
+                                  <p:childTnLst>
+                                    <p:set>
+                                      <p:cBhvr>
+                                        <p:cTn id="22" dur="1" fill="hold">
+                                          <p:stCondLst>
+                                            <p:cond delay="0"/>
+                                          </p:stCondLst>
+                                        </p:cTn>
+                                        <p:tgtEl>
+                                          <p:spTgt spid="3">
+                                            <p:txEl>
+                                              <p:pRg st="4" end="4"/>
+                                            </p:txEl>
+                                          </p:spTgt>
+                                        </p:tgtEl>
+                                        <p:attrNameLst>
+                                          <p:attrName>style.visibility</p:attrName>
+                                        </p:attrNameLst>
+                                      </p:cBhvr>
+                                      <p:to>
+                                        <p:strVal val="visible"/>
+                                      </p:to>
+                                    </p:set>
+                                  </p:childTnLst>
+                                </p:cTn>
+                              </p:par>
+                            </p:childTnLst>
+                          </p:cTn>
+                        </p:par>
+                      </p:childTnLst>
+                    </p:cTn>
+                  </p:par>
+                </p:childTnLst>
+              </p:cTn>
+              <p:prevCondLst>
+                <p:cond evt="onPrev" delay="0">
+                  <p:tgtEl>
+                    <p:sldTgt/>
+                  </p:tgtEl>
+                </p:cond>
+              </p:prevCondLst>
+              <p:nextCondLst>
+                <p:cond evt="onNext" delay="0">
+                  <p:tgtEl>
+                    <p:sldTgt/>
+                  </p:tgtEl>
+                </p:cond>
+              </p:nextCondLst>
+            </p:seq>
+          </p:childTnLst>
+        </p:cTn>
+      </p:par>
+    </p:tnLst>
+  </p:timing>
 </p:sld>
 </file>
 
@@ -3269,7 +3897,14 @@
         <p:cNvGrpSpPr/>
         <p:nvPr/>
       </p:nvGrpSpPr>
-      <p:grpSpPr/>
+      <p:grpSpPr>
+        <a:xfrm>
+          <a:off x="0" y="0"/>
+          <a:ext cx="0" cy="0"/>
+          <a:chOff x="0" y="0"/>
+          <a:chExt cx="0" cy="0"/>
+        </a:xfrm>
+      </p:grpSpPr>
       <p:sp>
         <p:nvSpPr>
           <p:cNvPr id="2" name="Title 1"/>
@@ -3283,6 +3918,7 @@
         <p:spPr/>
         <p:txBody>
           <a:bodyPr/>
+          <a:lstStyle/>
           <a:p>
             <a:endParaRPr lang="en-US"/>
           </a:p>
@@ -3301,76 +3937,69 @@
         <p:spPr/>
         <p:txBody>
           <a:bodyPr/>
-          <a:p>
-            <a:r>
-              <a:rPr lang="x-none" altLang="en-US"/>
+          <a:lstStyle/>
+          <a:p>
+            <a:r>
+              <a:rPr lang="x-none" altLang="en-US" dirty="0"/>
               <a:t>预处理</a:t>
             </a:r>
-            <a:endParaRPr lang="x-none" altLang="en-US"/>
           </a:p>
           <a:p>
             <a:pPr lvl="1"/>
             <a:r>
-              <a:rPr lang="x-none" altLang="en-US"/>
+              <a:rPr lang="x-none" altLang="en-US" dirty="0"/>
               <a:t>头文件的包含、宏定义的扩展、条件编译的选择等</a:t>
             </a:r>
-            <a:endParaRPr lang="x-none" altLang="en-US"/>
           </a:p>
           <a:p>
             <a:pPr lvl="1"/>
             <a:r>
-              <a:rPr lang="x-none" altLang="en-US"/>
+              <a:rPr lang="x-none" altLang="en-US" dirty="0"/>
               <a:t>gcc -E hello.c -o hello.i</a:t>
             </a:r>
-            <a:endParaRPr lang="x-none" altLang="en-US"/>
           </a:p>
           <a:p>
             <a:pPr lvl="0"/>
             <a:r>
-              <a:rPr lang="x-none" altLang="en-US"/>
+              <a:rPr lang="x-none" altLang="en-US" dirty="0"/>
               <a:t>编译</a:t>
             </a:r>
-            <a:endParaRPr lang="x-none" altLang="en-US"/>
           </a:p>
           <a:p>
             <a:pPr lvl="1"/>
             <a:r>
-              <a:rPr lang="x-none" altLang="en-US"/>
+              <a:rPr lang="x-none" altLang="en-US" dirty="0"/>
               <a:t>编译为汇编代码</a:t>
             </a:r>
-            <a:endParaRPr lang="x-none" altLang="en-US"/>
           </a:p>
           <a:p>
             <a:pPr lvl="1"/>
             <a:r>
-              <a:rPr lang="x-none" altLang="en-US"/>
+              <a:rPr lang="x-none" altLang="en-US" dirty="0"/>
               <a:t>gcc -S hello.c -o hello.s</a:t>
             </a:r>
-            <a:endParaRPr lang="x-none" altLang="en-US"/>
           </a:p>
           <a:p>
             <a:pPr lvl="0"/>
             <a:r>
-              <a:rPr lang="x-none" altLang="en-US"/>
+              <a:rPr lang="x-none" altLang="en-US" dirty="0"/>
               <a:t>汇编</a:t>
             </a:r>
-            <a:endParaRPr lang="x-none" altLang="en-US"/>
           </a:p>
           <a:p>
             <a:pPr lvl="1"/>
             <a:r>
-              <a:rPr lang="x-none" altLang="en-US"/>
+              <a:rPr lang="x-none" altLang="en-US" dirty="0"/>
               <a:t>把作为中间结果的汇编代码翻译成了机器代码，还不可以运行</a:t>
             </a:r>
-            <a:endParaRPr lang="x-none" altLang="en-US"/>
           </a:p>
           <a:p>
             <a:pPr lvl="1"/>
-            <a:endParaRPr lang="x-none" altLang="en-US"/>
+            <a:endParaRPr lang="x-none" altLang="en-US" dirty="0"/>
           </a:p>
           <a:p>
             <a:pPr lvl="0"/>
-            <a:endParaRPr lang="x-none" altLang="en-US"/>
+            <a:endParaRPr lang="x-none" altLang="en-US" dirty="0"/>
           </a:p>
         </p:txBody>
       </p:sp>
@@ -3379,6 +4008,338 @@
   <p:clrMapOvr>
     <a:masterClrMapping/>
   </p:clrMapOvr>
+  <p:timing>
+    <p:tnLst>
+      <p:par>
+        <p:cTn id="1" dur="indefinite" restart="never" nodeType="tmRoot">
+          <p:childTnLst>
+            <p:seq concurrent="1" nextAc="seek">
+              <p:cTn id="2" dur="indefinite" nodeType="mainSeq">
+                <p:childTnLst>
+                  <p:par>
+                    <p:cTn id="3" fill="hold">
+                      <p:stCondLst>
+                        <p:cond delay="indefinite"/>
+                      </p:stCondLst>
+                      <p:childTnLst>
+                        <p:par>
+                          <p:cTn id="4" fill="hold">
+                            <p:stCondLst>
+                              <p:cond delay="0"/>
+                            </p:stCondLst>
+                            <p:childTnLst>
+                              <p:par>
+                                <p:cTn id="5" presetID="1" presetClass="entr" presetSubtype="0" fill="hold" nodeType="clickEffect">
+                                  <p:stCondLst>
+                                    <p:cond delay="0"/>
+                                  </p:stCondLst>
+                                  <p:childTnLst>
+                                    <p:set>
+                                      <p:cBhvr>
+                                        <p:cTn id="6" dur="1" fill="hold">
+                                          <p:stCondLst>
+                                            <p:cond delay="0"/>
+                                          </p:stCondLst>
+                                        </p:cTn>
+                                        <p:tgtEl>
+                                          <p:spTgt spid="3">
+                                            <p:txEl>
+                                              <p:pRg st="0" end="0"/>
+                                            </p:txEl>
+                                          </p:spTgt>
+                                        </p:tgtEl>
+                                        <p:attrNameLst>
+                                          <p:attrName>style.visibility</p:attrName>
+                                        </p:attrNameLst>
+                                      </p:cBhvr>
+                                      <p:to>
+                                        <p:strVal val="visible"/>
+                                      </p:to>
+                                    </p:set>
+                                  </p:childTnLst>
+                                </p:cTn>
+                              </p:par>
+                              <p:par>
+                                <p:cTn id="7" presetID="1" presetClass="entr" presetSubtype="0" fill="hold" nodeType="withEffect">
+                                  <p:stCondLst>
+                                    <p:cond delay="0"/>
+                                  </p:stCondLst>
+                                  <p:childTnLst>
+                                    <p:set>
+                                      <p:cBhvr>
+                                        <p:cTn id="8" dur="1" fill="hold">
+                                          <p:stCondLst>
+                                            <p:cond delay="0"/>
+                                          </p:stCondLst>
+                                        </p:cTn>
+                                        <p:tgtEl>
+                                          <p:spTgt spid="3">
+                                            <p:txEl>
+                                              <p:pRg st="1" end="1"/>
+                                            </p:txEl>
+                                          </p:spTgt>
+                                        </p:tgtEl>
+                                        <p:attrNameLst>
+                                          <p:attrName>style.visibility</p:attrName>
+                                        </p:attrNameLst>
+                                      </p:cBhvr>
+                                      <p:to>
+                                        <p:strVal val="visible"/>
+                                      </p:to>
+                                    </p:set>
+                                  </p:childTnLst>
+                                </p:cTn>
+                              </p:par>
+                              <p:par>
+                                <p:cTn id="9" presetID="1" presetClass="entr" presetSubtype="0" fill="hold" nodeType="withEffect">
+                                  <p:stCondLst>
+                                    <p:cond delay="0"/>
+                                  </p:stCondLst>
+                                  <p:childTnLst>
+                                    <p:set>
+                                      <p:cBhvr>
+                                        <p:cTn id="10" dur="1" fill="hold">
+                                          <p:stCondLst>
+                                            <p:cond delay="0"/>
+                                          </p:stCondLst>
+                                        </p:cTn>
+                                        <p:tgtEl>
+                                          <p:spTgt spid="3">
+                                            <p:txEl>
+                                              <p:pRg st="2" end="2"/>
+                                            </p:txEl>
+                                          </p:spTgt>
+                                        </p:tgtEl>
+                                        <p:attrNameLst>
+                                          <p:attrName>style.visibility</p:attrName>
+                                        </p:attrNameLst>
+                                      </p:cBhvr>
+                                      <p:to>
+                                        <p:strVal val="visible"/>
+                                      </p:to>
+                                    </p:set>
+                                  </p:childTnLst>
+                                </p:cTn>
+                              </p:par>
+                            </p:childTnLst>
+                          </p:cTn>
+                        </p:par>
+                      </p:childTnLst>
+                    </p:cTn>
+                  </p:par>
+                  <p:par>
+                    <p:cTn id="11" fill="hold">
+                      <p:stCondLst>
+                        <p:cond delay="indefinite"/>
+                      </p:stCondLst>
+                      <p:childTnLst>
+                        <p:par>
+                          <p:cTn id="12" fill="hold">
+                            <p:stCondLst>
+                              <p:cond delay="0"/>
+                            </p:stCondLst>
+                            <p:childTnLst>
+                              <p:par>
+                                <p:cTn id="13" presetID="1" presetClass="entr" presetSubtype="0" fill="hold" nodeType="clickEffect">
+                                  <p:stCondLst>
+                                    <p:cond delay="0"/>
+                                  </p:stCondLst>
+                                  <p:childTnLst>
+                                    <p:set>
+                                      <p:cBhvr>
+                                        <p:cTn id="14" dur="1" fill="hold">
+                                          <p:stCondLst>
+                                            <p:cond delay="0"/>
+                                          </p:stCondLst>
+                                        </p:cTn>
+                                        <p:tgtEl>
+                                          <p:spTgt spid="3">
+                                            <p:txEl>
+                                              <p:pRg st="3" end="3"/>
+                                            </p:txEl>
+                                          </p:spTgt>
+                                        </p:tgtEl>
+                                        <p:attrNameLst>
+                                          <p:attrName>style.visibility</p:attrName>
+                                        </p:attrNameLst>
+                                      </p:cBhvr>
+                                      <p:to>
+                                        <p:strVal val="visible"/>
+                                      </p:to>
+                                    </p:set>
+                                  </p:childTnLst>
+                                </p:cTn>
+                              </p:par>
+                              <p:par>
+                                <p:cTn id="15" presetID="1" presetClass="entr" presetSubtype="0" fill="hold" nodeType="withEffect">
+                                  <p:stCondLst>
+                                    <p:cond delay="0"/>
+                                  </p:stCondLst>
+                                  <p:childTnLst>
+                                    <p:set>
+                                      <p:cBhvr>
+                                        <p:cTn id="16" dur="1" fill="hold">
+                                          <p:stCondLst>
+                                            <p:cond delay="0"/>
+                                          </p:stCondLst>
+                                        </p:cTn>
+                                        <p:tgtEl>
+                                          <p:spTgt spid="3">
+                                            <p:txEl>
+                                              <p:pRg st="4" end="4"/>
+                                            </p:txEl>
+                                          </p:spTgt>
+                                        </p:tgtEl>
+                                        <p:attrNameLst>
+                                          <p:attrName>style.visibility</p:attrName>
+                                        </p:attrNameLst>
+                                      </p:cBhvr>
+                                      <p:to>
+                                        <p:strVal val="visible"/>
+                                      </p:to>
+                                    </p:set>
+                                  </p:childTnLst>
+                                </p:cTn>
+                              </p:par>
+                              <p:par>
+                                <p:cTn id="17" presetID="1" presetClass="entr" presetSubtype="0" fill="hold" nodeType="withEffect">
+                                  <p:stCondLst>
+                                    <p:cond delay="0"/>
+                                  </p:stCondLst>
+                                  <p:childTnLst>
+                                    <p:set>
+                                      <p:cBhvr>
+                                        <p:cTn id="18" dur="1" fill="hold">
+                                          <p:stCondLst>
+                                            <p:cond delay="0"/>
+                                          </p:stCondLst>
+                                        </p:cTn>
+                                        <p:tgtEl>
+                                          <p:spTgt spid="3">
+                                            <p:txEl>
+                                              <p:pRg st="5" end="5"/>
+                                            </p:txEl>
+                                          </p:spTgt>
+                                        </p:tgtEl>
+                                        <p:attrNameLst>
+                                          <p:attrName>style.visibility</p:attrName>
+                                        </p:attrNameLst>
+                                      </p:cBhvr>
+                                      <p:to>
+                                        <p:strVal val="visible"/>
+                                      </p:to>
+                                    </p:set>
+                                  </p:childTnLst>
+                                </p:cTn>
+                              </p:par>
+                            </p:childTnLst>
+                          </p:cTn>
+                        </p:par>
+                      </p:childTnLst>
+                    </p:cTn>
+                  </p:par>
+                  <p:par>
+                    <p:cTn id="19" fill="hold">
+                      <p:stCondLst>
+                        <p:cond delay="indefinite"/>
+                      </p:stCondLst>
+                      <p:childTnLst>
+                        <p:par>
+                          <p:cTn id="20" fill="hold">
+                            <p:stCondLst>
+                              <p:cond delay="0"/>
+                            </p:stCondLst>
+                            <p:childTnLst>
+                              <p:par>
+                                <p:cTn id="21" presetID="1" presetClass="entr" presetSubtype="0" fill="hold" nodeType="clickEffect">
+                                  <p:stCondLst>
+                                    <p:cond delay="0"/>
+                                  </p:stCondLst>
+                                  <p:childTnLst>
+                                    <p:set>
+                                      <p:cBhvr>
+                                        <p:cTn id="22" dur="1" fill="hold">
+                                          <p:stCondLst>
+                                            <p:cond delay="0"/>
+                                          </p:stCondLst>
+                                        </p:cTn>
+                                        <p:tgtEl>
+                                          <p:spTgt spid="3">
+                                            <p:txEl>
+                                              <p:pRg st="6" end="6"/>
+                                            </p:txEl>
+                                          </p:spTgt>
+                                        </p:tgtEl>
+                                        <p:attrNameLst>
+                                          <p:attrName>style.visibility</p:attrName>
+                                        </p:attrNameLst>
+                                      </p:cBhvr>
+                                      <p:to>
+                                        <p:strVal val="visible"/>
+                                      </p:to>
+                                    </p:set>
+                                  </p:childTnLst>
+                                </p:cTn>
+                              </p:par>
+                              <p:par>
+                                <p:cTn id="23" presetID="1" presetClass="entr" presetSubtype="0" fill="hold" nodeType="withEffect">
+                                  <p:stCondLst>
+                                    <p:cond delay="0"/>
+                                  </p:stCondLst>
+                                  <p:childTnLst>
+                                    <p:set>
+                                      <p:cBhvr>
+                                        <p:cTn id="24" dur="1" fill="hold">
+                                          <p:stCondLst>
+                                            <p:cond delay="0"/>
+                                          </p:stCondLst>
+                                        </p:cTn>
+                                        <p:tgtEl>
+                                          <p:spTgt spid="3">
+                                            <p:txEl>
+                                              <p:pRg st="7" end="7"/>
+                                            </p:txEl>
+                                          </p:spTgt>
+                                        </p:tgtEl>
+                                        <p:attrNameLst>
+                                          <p:attrName>style.visibility</p:attrName>
+                                        </p:attrNameLst>
+                                      </p:cBhvr>
+                                      <p:to>
+                                        <p:strVal val="visible"/>
+                                      </p:to>
+                                    </p:set>
+                                  </p:childTnLst>
+                                </p:cTn>
+                              </p:par>
+                            </p:childTnLst>
+                          </p:cTn>
+                        </p:par>
+                      </p:childTnLst>
+                    </p:cTn>
+                  </p:par>
+                </p:childTnLst>
+              </p:cTn>
+              <p:prevCondLst>
+                <p:cond evt="onPrev" delay="0">
+                  <p:tgtEl>
+                    <p:sldTgt/>
+                  </p:tgtEl>
+                </p:cond>
+              </p:prevCondLst>
+              <p:nextCondLst>
+                <p:cond evt="onNext" delay="0">
+                  <p:tgtEl>
+                    <p:sldTgt/>
+                  </p:tgtEl>
+                </p:cond>
+              </p:nextCondLst>
+            </p:seq>
+          </p:childTnLst>
+        </p:cTn>
+      </p:par>
+    </p:tnLst>
+  </p:timing>
 </p:sld>
 </file>
 
@@ -3391,7 +4352,14 @@
         <p:cNvGrpSpPr/>
         <p:nvPr/>
       </p:nvGrpSpPr>
-      <p:grpSpPr/>
+      <p:grpSpPr>
+        <a:xfrm>
+          <a:off x="0" y="0"/>
+          <a:ext cx="0" cy="0"/>
+          <a:chOff x="0" y="0"/>
+          <a:chExt cx="0" cy="0"/>
+        </a:xfrm>
+      </p:grpSpPr>
       <p:sp>
         <p:nvSpPr>
           <p:cNvPr id="2" name="Title 1"/>
@@ -3405,6 +4373,7 @@
         <p:spPr/>
         <p:txBody>
           <a:bodyPr/>
+          <a:lstStyle/>
           <a:p>
             <a:endParaRPr lang="en-US"/>
           </a:p>
@@ -3423,56 +4392,51 @@
         <p:spPr/>
         <p:txBody>
           <a:bodyPr/>
-          <a:p>
-            <a:r>
-              <a:rPr lang="x-none" altLang="en-US"/>
+          <a:lstStyle/>
+          <a:p>
+            <a:r>
+              <a:rPr lang="x-none" altLang="en-US" dirty="0"/>
               <a:t>链接</a:t>
             </a:r>
-            <a:endParaRPr lang="x-none" altLang="en-US"/>
           </a:p>
           <a:p>
             <a:pPr lvl="1"/>
             <a:r>
-              <a:rPr lang="x-none" altLang="en-US"/>
+              <a:rPr lang="x-none" altLang="en-US" dirty="0"/>
               <a:t>编译时编译器只对单个文件进行处理，如果该文件里面需要引用到其他文件中的符号（例如全局变量或者函数），那么这时在这个文件中该符号的地址是没法确定的，只能等链接器把所有的目标文件连接到一起的时候才能确定最终的地址。 --from zhihu</a:t>
             </a:r>
-            <a:endParaRPr lang="x-none" altLang="en-US"/>
           </a:p>
           <a:p>
             <a:pPr lvl="1"/>
             <a:r>
-              <a:rPr lang="x-none" altLang="en-US"/>
+              <a:rPr lang="x-none" altLang="en-US" dirty="0"/>
               <a:t>gcc -c 1.c -o 1.o</a:t>
             </a:r>
-            <a:endParaRPr lang="x-none" altLang="en-US"/>
           </a:p>
           <a:p>
             <a:pPr lvl="1"/>
             <a:r>
-              <a:rPr lang="x-none" altLang="en-US"/>
+              <a:rPr lang="x-none" altLang="en-US" dirty="0"/>
               <a:t>gcc -c 2.c -o 2.o</a:t>
             </a:r>
-            <a:endParaRPr lang="x-none" altLang="en-US"/>
           </a:p>
           <a:p>
             <a:pPr lvl="1"/>
             <a:r>
-              <a:rPr lang="x-none" altLang="en-US"/>
+              <a:rPr lang="x-none" altLang="en-US" dirty="0"/>
               <a:t>gcc 1.o 2.o -o a.out</a:t>
             </a:r>
-            <a:endParaRPr lang="x-none" altLang="en-US"/>
           </a:p>
           <a:p>
             <a:pPr lvl="1"/>
-            <a:endParaRPr lang="x-none" altLang="en-US"/>
+            <a:endParaRPr lang="x-none" altLang="en-US" dirty="0"/>
           </a:p>
           <a:p>
             <a:pPr lvl="1"/>
             <a:r>
-              <a:rPr lang="x-none" altLang="en-US"/>
+              <a:rPr lang="x-none" altLang="en-US" dirty="0"/>
               <a:t>详见深入理解计算机系统</a:t>
             </a:r>
-            <a:endParaRPr lang="x-none" altLang="en-US"/>
           </a:p>
         </p:txBody>
       </p:sp>
@@ -3481,6 +4445,276 @@
   <p:clrMapOvr>
     <a:masterClrMapping/>
   </p:clrMapOvr>
+  <p:timing>
+    <p:tnLst>
+      <p:par>
+        <p:cTn id="1" dur="indefinite" restart="never" nodeType="tmRoot">
+          <p:childTnLst>
+            <p:seq concurrent="1" nextAc="seek">
+              <p:cTn id="2" dur="indefinite" nodeType="mainSeq">
+                <p:childTnLst>
+                  <p:par>
+                    <p:cTn id="3" fill="hold">
+                      <p:stCondLst>
+                        <p:cond delay="indefinite"/>
+                      </p:stCondLst>
+                      <p:childTnLst>
+                        <p:par>
+                          <p:cTn id="4" fill="hold">
+                            <p:stCondLst>
+                              <p:cond delay="0"/>
+                            </p:stCondLst>
+                            <p:childTnLst>
+                              <p:par>
+                                <p:cTn id="5" presetID="1" presetClass="entr" presetSubtype="0" fill="hold" nodeType="clickEffect">
+                                  <p:stCondLst>
+                                    <p:cond delay="0"/>
+                                  </p:stCondLst>
+                                  <p:childTnLst>
+                                    <p:set>
+                                      <p:cBhvr>
+                                        <p:cTn id="6" dur="1" fill="hold">
+                                          <p:stCondLst>
+                                            <p:cond delay="0"/>
+                                          </p:stCondLst>
+                                        </p:cTn>
+                                        <p:tgtEl>
+                                          <p:spTgt spid="3">
+                                            <p:txEl>
+                                              <p:pRg st="0" end="0"/>
+                                            </p:txEl>
+                                          </p:spTgt>
+                                        </p:tgtEl>
+                                        <p:attrNameLst>
+                                          <p:attrName>style.visibility</p:attrName>
+                                        </p:attrNameLst>
+                                      </p:cBhvr>
+                                      <p:to>
+                                        <p:strVal val="visible"/>
+                                      </p:to>
+                                    </p:set>
+                                  </p:childTnLst>
+                                </p:cTn>
+                              </p:par>
+                              <p:par>
+                                <p:cTn id="7" presetID="1" presetClass="entr" presetSubtype="0" fill="hold" nodeType="withEffect">
+                                  <p:stCondLst>
+                                    <p:cond delay="0"/>
+                                  </p:stCondLst>
+                                  <p:childTnLst>
+                                    <p:set>
+                                      <p:cBhvr>
+                                        <p:cTn id="8" dur="1" fill="hold">
+                                          <p:stCondLst>
+                                            <p:cond delay="0"/>
+                                          </p:stCondLst>
+                                        </p:cTn>
+                                        <p:tgtEl>
+                                          <p:spTgt spid="3">
+                                            <p:txEl>
+                                              <p:pRg st="1" end="1"/>
+                                            </p:txEl>
+                                          </p:spTgt>
+                                        </p:tgtEl>
+                                        <p:attrNameLst>
+                                          <p:attrName>style.visibility</p:attrName>
+                                        </p:attrNameLst>
+                                      </p:cBhvr>
+                                      <p:to>
+                                        <p:strVal val="visible"/>
+                                      </p:to>
+                                    </p:set>
+                                  </p:childTnLst>
+                                </p:cTn>
+                              </p:par>
+                            </p:childTnLst>
+                          </p:cTn>
+                        </p:par>
+                      </p:childTnLst>
+                    </p:cTn>
+                  </p:par>
+                  <p:par>
+                    <p:cTn id="9" fill="hold">
+                      <p:stCondLst>
+                        <p:cond delay="indefinite"/>
+                      </p:stCondLst>
+                      <p:childTnLst>
+                        <p:par>
+                          <p:cTn id="10" fill="hold">
+                            <p:stCondLst>
+                              <p:cond delay="0"/>
+                            </p:stCondLst>
+                            <p:childTnLst>
+                              <p:par>
+                                <p:cTn id="11" presetID="1" presetClass="entr" presetSubtype="0" fill="hold" nodeType="clickEffect">
+                                  <p:stCondLst>
+                                    <p:cond delay="0"/>
+                                  </p:stCondLst>
+                                  <p:childTnLst>
+                                    <p:set>
+                                      <p:cBhvr>
+                                        <p:cTn id="12" dur="1" fill="hold">
+                                          <p:stCondLst>
+                                            <p:cond delay="0"/>
+                                          </p:stCondLst>
+                                        </p:cTn>
+                                        <p:tgtEl>
+                                          <p:spTgt spid="3">
+                                            <p:txEl>
+                                              <p:pRg st="2" end="2"/>
+                                            </p:txEl>
+                                          </p:spTgt>
+                                        </p:tgtEl>
+                                        <p:attrNameLst>
+                                          <p:attrName>style.visibility</p:attrName>
+                                        </p:attrNameLst>
+                                      </p:cBhvr>
+                                      <p:to>
+                                        <p:strVal val="visible"/>
+                                      </p:to>
+                                    </p:set>
+                                  </p:childTnLst>
+                                </p:cTn>
+                              </p:par>
+                              <p:par>
+                                <p:cTn id="13" presetID="1" presetClass="entr" presetSubtype="0" fill="hold" nodeType="withEffect">
+                                  <p:stCondLst>
+                                    <p:cond delay="0"/>
+                                  </p:stCondLst>
+                                  <p:childTnLst>
+                                    <p:set>
+                                      <p:cBhvr>
+                                        <p:cTn id="14" dur="1" fill="hold">
+                                          <p:stCondLst>
+                                            <p:cond delay="0"/>
+                                          </p:stCondLst>
+                                        </p:cTn>
+                                        <p:tgtEl>
+                                          <p:spTgt spid="3">
+                                            <p:txEl>
+                                              <p:pRg st="3" end="3"/>
+                                            </p:txEl>
+                                          </p:spTgt>
+                                        </p:tgtEl>
+                                        <p:attrNameLst>
+                                          <p:attrName>style.visibility</p:attrName>
+                                        </p:attrNameLst>
+                                      </p:cBhvr>
+                                      <p:to>
+                                        <p:strVal val="visible"/>
+                                      </p:to>
+                                    </p:set>
+                                  </p:childTnLst>
+                                </p:cTn>
+                              </p:par>
+                              <p:par>
+                                <p:cTn id="15" presetID="1" presetClass="entr" presetSubtype="0" fill="hold" nodeType="withEffect">
+                                  <p:stCondLst>
+                                    <p:cond delay="0"/>
+                                  </p:stCondLst>
+                                  <p:childTnLst>
+                                    <p:set>
+                                      <p:cBhvr>
+                                        <p:cTn id="16" dur="1" fill="hold">
+                                          <p:stCondLst>
+                                            <p:cond delay="0"/>
+                                          </p:stCondLst>
+                                        </p:cTn>
+                                        <p:tgtEl>
+                                          <p:spTgt spid="3">
+                                            <p:txEl>
+                                              <p:pRg st="4" end="4"/>
+                                            </p:txEl>
+                                          </p:spTgt>
+                                        </p:tgtEl>
+                                        <p:attrNameLst>
+                                          <p:attrName>style.visibility</p:attrName>
+                                        </p:attrNameLst>
+                                      </p:cBhvr>
+                                      <p:to>
+                                        <p:strVal val="visible"/>
+                                      </p:to>
+                                    </p:set>
+                                  </p:childTnLst>
+                                </p:cTn>
+                              </p:par>
+                            </p:childTnLst>
+                          </p:cTn>
+                        </p:par>
+                      </p:childTnLst>
+                    </p:cTn>
+                  </p:par>
+                  <p:par>
+                    <p:cTn id="17" fill="hold">
+                      <p:stCondLst>
+                        <p:cond delay="indefinite"/>
+                      </p:stCondLst>
+                      <p:childTnLst>
+                        <p:par>
+                          <p:cTn id="18" fill="hold">
+                            <p:stCondLst>
+                              <p:cond delay="0"/>
+                            </p:stCondLst>
+                            <p:childTnLst>
+                              <p:par>
+                                <p:cTn id="19" presetID="1" presetClass="entr" presetSubtype="0" fill="hold" nodeType="clickEffect">
+                                  <p:stCondLst>
+                                    <p:cond delay="0"/>
+                                  </p:stCondLst>
+                                  <p:childTnLst>
+                                    <p:set>
+                                      <p:cBhvr>
+                                        <p:cTn id="20" dur="1" fill="hold">
+                                          <p:stCondLst>
+                                            <p:cond delay="0"/>
+                                          </p:stCondLst>
+                                        </p:cTn>
+                                        <p:tgtEl>
+                                          <p:spTgt spid="3">
+                                            <p:txEl>
+                                              <p:pRg st="6" end="6"/>
+                                            </p:txEl>
+                                          </p:spTgt>
+                                        </p:tgtEl>
+                                        <p:attrNameLst>
+                                          <p:attrName>style.visibility</p:attrName>
+                                        </p:attrNameLst>
+                                      </p:cBhvr>
+                                      <p:to>
+                                        <p:strVal val="visible"/>
+                                      </p:to>
+                                    </p:set>
+                                  </p:childTnLst>
+                                </p:cTn>
+                              </p:par>
+                            </p:childTnLst>
+                          </p:cTn>
+                        </p:par>
+                      </p:childTnLst>
+                    </p:cTn>
+                  </p:par>
+                </p:childTnLst>
+              </p:cTn>
+              <p:prevCondLst>
+                <p:cond evt="onPrev" delay="0">
+                  <p:tgtEl>
+                    <p:sldTgt/>
+                  </p:tgtEl>
+                </p:cond>
+              </p:prevCondLst>
+              <p:nextCondLst>
+                <p:cond evt="onNext" delay="0">
+                  <p:tgtEl>
+                    <p:sldTgt/>
+                  </p:tgtEl>
+                </p:cond>
+              </p:nextCondLst>
+            </p:seq>
+          </p:childTnLst>
+        </p:cTn>
+      </p:par>
+    </p:tnLst>
+  </p:timing>
 </p:sld>
 </file>
 
@@ -3493,7 +4727,14 @@
         <p:cNvGrpSpPr/>
         <p:nvPr/>
       </p:nvGrpSpPr>
-      <p:grpSpPr/>
+      <p:grpSpPr>
+        <a:xfrm>
+          <a:off x="0" y="0"/>
+          <a:ext cx="0" cy="0"/>
+          <a:chOff x="0" y="0"/>
+          <a:chExt cx="0" cy="0"/>
+        </a:xfrm>
+      </p:grpSpPr>
       <p:sp>
         <p:nvSpPr>
           <p:cNvPr id="2" name="Title 1"/>
@@ -3507,6 +4748,7 @@
         <p:spPr/>
         <p:txBody>
           <a:bodyPr/>
+          <a:lstStyle/>
           <a:p>
             <a:endParaRPr lang="en-US"/>
           </a:p>
@@ -3525,33 +4767,30 @@
         <p:spPr/>
         <p:txBody>
           <a:bodyPr/>
-          <a:p>
-            <a:r>
-              <a:rPr lang="x-none" altLang="en-US"/>
+          <a:lstStyle/>
+          <a:p>
+            <a:r>
+              <a:rPr lang="x-none" altLang="en-US" dirty="0"/>
               <a:t>有的文件之间具有依赖关系,有的没有</a:t>
             </a:r>
-            <a:endParaRPr lang="x-none" altLang="en-US"/>
-          </a:p>
-          <a:p>
-            <a:r>
-              <a:rPr lang="x-none" altLang="en-US"/>
+          </a:p>
+          <a:p>
+            <a:r>
+              <a:rPr lang="x-none" altLang="en-US" dirty="0"/>
               <a:t>遇到大的工程,修改一个文件之后全部编译一遍太消耗</a:t>
             </a:r>
-            <a:endParaRPr lang="x-none" altLang="en-US"/>
-          </a:p>
-          <a:p>
-            <a:r>
-              <a:rPr lang="x-none" altLang="en-US"/>
+          </a:p>
+          <a:p>
+            <a:r>
+              <a:rPr lang="x-none" altLang="en-US" dirty="0"/>
               <a:t>需要一个文件正确处理各个文件的依赖关系</a:t>
             </a:r>
-            <a:endParaRPr lang="x-none" altLang="en-US"/>
-          </a:p>
-          <a:p>
-            <a:r>
-              <a:rPr lang="x-none" altLang="en-US"/>
+          </a:p>
+          <a:p>
+            <a:r>
+              <a:rPr lang="x-none" altLang="en-US" dirty="0"/>
               <a:t>Makefile</a:t>
             </a:r>
-            <a:endParaRPr lang="x-none" altLang="en-US"/>
           </a:p>
         </p:txBody>
       </p:sp>
@@ -3560,6 +4799,13 @@
   <p:clrMapOvr>
     <a:masterClrMapping/>
   </p:clrMapOvr>
+  <p:timing>
+    <p:tnLst>
+      <p:par>
+        <p:cTn id="1" dur="indefinite" restart="never" nodeType="tmRoot"/>
+      </p:par>
+    </p:tnLst>
+  </p:timing>
 </p:sld>
 </file>
 
@@ -3572,7 +4818,14 @@
         <p:cNvGrpSpPr/>
         <p:nvPr/>
       </p:nvGrpSpPr>
-      <p:grpSpPr/>
+      <p:grpSpPr>
+        <a:xfrm>
+          <a:off x="0" y="0"/>
+          <a:ext cx="0" cy="0"/>
+          <a:chOff x="0" y="0"/>
+          <a:chExt cx="0" cy="0"/>
+        </a:xfrm>
+      </p:grpSpPr>
       <p:sp>
         <p:nvSpPr>
           <p:cNvPr id="2" name="Title 1"/>
@@ -3586,6 +4839,7 @@
         <p:spPr/>
         <p:txBody>
           <a:bodyPr/>
+          <a:lstStyle/>
           <a:p>
             <a:endParaRPr lang="en-US"/>
           </a:p>
@@ -3604,49 +4858,45 @@
         <p:spPr/>
         <p:txBody>
           <a:bodyPr/>
-          <a:p>
-            <a:r>
-              <a:rPr lang="x-none" altLang="en-US"/>
+          <a:lstStyle/>
+          <a:p>
+            <a:r>
+              <a:rPr lang="x-none" altLang="en-US" dirty="0"/>
               <a:t>2.c main函数,调用hereis1() hereis3() hereis4()</a:t>
             </a:r>
-            <a:endParaRPr lang="x-none" altLang="en-US"/>
-          </a:p>
-          <a:p>
-            <a:r>
-              <a:rPr lang="x-none" altLang="en-US"/>
+          </a:p>
+          <a:p>
+            <a:r>
+              <a:rPr lang="x-none" altLang="en-US" dirty="0"/>
               <a:t>1.c 定义hereis1()</a:t>
             </a:r>
-            <a:endParaRPr lang="x-none" altLang="en-US"/>
-          </a:p>
-          <a:p>
-            <a:r>
-              <a:rPr lang="x-none" altLang="en-US"/>
+          </a:p>
+          <a:p>
+            <a:r>
+              <a:rPr lang="x-none" altLang="en-US" dirty="0"/>
               <a:t>3.c 定义hereis3()</a:t>
             </a:r>
-            <a:endParaRPr lang="x-none" altLang="en-US"/>
-          </a:p>
-          <a:p>
-            <a:r>
-              <a:rPr lang="x-none" altLang="en-US"/>
+          </a:p>
+          <a:p>
+            <a:r>
+              <a:rPr lang="x-none" altLang="en-US" dirty="0"/>
               <a:t>4.c 定义hereis4()</a:t>
             </a:r>
-            <a:endParaRPr lang="x-none" altLang="en-US"/>
-          </a:p>
-          <a:p>
-            <a:endParaRPr lang="x-none" altLang="en-US"/>
-          </a:p>
-          <a:p>
-            <a:r>
-              <a:rPr lang="x-none" altLang="en-US"/>
+          </a:p>
+          <a:p>
+            <a:endParaRPr lang="x-none" altLang="en-US" dirty="0"/>
+          </a:p>
+          <a:p>
+            <a:r>
+              <a:rPr lang="x-none" altLang="en-US" dirty="0"/>
               <a:t>gcc 1.c 2.c 3.c 4.c -o main</a:t>
             </a:r>
-            <a:endParaRPr lang="x-none" altLang="en-US"/>
-          </a:p>
-          <a:p>
-            <a:endParaRPr lang="x-none" altLang="en-US"/>
-          </a:p>
-          <a:p>
-            <a:endParaRPr lang="x-none" altLang="en-US"/>
+          </a:p>
+          <a:p>
+            <a:endParaRPr lang="x-none" altLang="en-US" dirty="0"/>
+          </a:p>
+          <a:p>
+            <a:endParaRPr lang="x-none" altLang="en-US" dirty="0"/>
           </a:p>
         </p:txBody>
       </p:sp>
@@ -3655,6 +4905,227 @@
   <p:clrMapOvr>
     <a:masterClrMapping/>
   </p:clrMapOvr>
+  <p:timing>
+    <p:tnLst>
+      <p:par>
+        <p:cTn id="1" dur="indefinite" restart="never" nodeType="tmRoot">
+          <p:childTnLst>
+            <p:seq concurrent="1" nextAc="seek">
+              <p:cTn id="2" dur="indefinite" nodeType="mainSeq">
+                <p:childTnLst>
+                  <p:par>
+                    <p:cTn id="3" fill="hold">
+                      <p:stCondLst>
+                        <p:cond delay="indefinite"/>
+                      </p:stCondLst>
+                      <p:childTnLst>
+                        <p:par>
+                          <p:cTn id="4" fill="hold">
+                            <p:stCondLst>
+                              <p:cond delay="0"/>
+                            </p:stCondLst>
+                            <p:childTnLst>
+                              <p:par>
+                                <p:cTn id="5" presetID="1" presetClass="entr" presetSubtype="0" fill="hold" nodeType="clickEffect">
+                                  <p:stCondLst>
+                                    <p:cond delay="0"/>
+                                  </p:stCondLst>
+                                  <p:childTnLst>
+                                    <p:set>
+                                      <p:cBhvr>
+                                        <p:cTn id="6" dur="1" fill="hold">
+                                          <p:stCondLst>
+                                            <p:cond delay="0"/>
+                                          </p:stCondLst>
+                                        </p:cTn>
+                                        <p:tgtEl>
+                                          <p:spTgt spid="3">
+                                            <p:txEl>
+                                              <p:pRg st="0" end="0"/>
+                                            </p:txEl>
+                                          </p:spTgt>
+                                        </p:tgtEl>
+                                        <p:attrNameLst>
+                                          <p:attrName>style.visibility</p:attrName>
+                                        </p:attrNameLst>
+                                      </p:cBhvr>
+                                      <p:to>
+                                        <p:strVal val="visible"/>
+                                      </p:to>
+                                    </p:set>
+                                  </p:childTnLst>
+                                </p:cTn>
+                              </p:par>
+                              <p:par>
+                                <p:cTn id="7" presetID="1" presetClass="entr" presetSubtype="0" fill="hold" nodeType="withEffect">
+                                  <p:stCondLst>
+                                    <p:cond delay="0"/>
+                                  </p:stCondLst>
+                                  <p:childTnLst>
+                                    <p:set>
+                                      <p:cBhvr>
+                                        <p:cTn id="8" dur="1" fill="hold">
+                                          <p:stCondLst>
+                                            <p:cond delay="0"/>
+                                          </p:stCondLst>
+                                        </p:cTn>
+                                        <p:tgtEl>
+                                          <p:spTgt spid="3">
+                                            <p:txEl>
+                                              <p:pRg st="1" end="1"/>
+                                            </p:txEl>
+                                          </p:spTgt>
+                                        </p:tgtEl>
+                                        <p:attrNameLst>
+                                          <p:attrName>style.visibility</p:attrName>
+                                        </p:attrNameLst>
+                                      </p:cBhvr>
+                                      <p:to>
+                                        <p:strVal val="visible"/>
+                                      </p:to>
+                                    </p:set>
+                                  </p:childTnLst>
+                                </p:cTn>
+                              </p:par>
+                              <p:par>
+                                <p:cTn id="9" presetID="1" presetClass="entr" presetSubtype="0" fill="hold" nodeType="withEffect">
+                                  <p:stCondLst>
+                                    <p:cond delay="0"/>
+                                  </p:stCondLst>
+                                  <p:childTnLst>
+                                    <p:set>
+                                      <p:cBhvr>
+                                        <p:cTn id="10" dur="1" fill="hold">
+                                          <p:stCondLst>
+                                            <p:cond delay="0"/>
+                                          </p:stCondLst>
+                                        </p:cTn>
+                                        <p:tgtEl>
+                                          <p:spTgt spid="3">
+                                            <p:txEl>
+                                              <p:pRg st="2" end="2"/>
+                                            </p:txEl>
+                                          </p:spTgt>
+                                        </p:tgtEl>
+                                        <p:attrNameLst>
+                                          <p:attrName>style.visibility</p:attrName>
+                                        </p:attrNameLst>
+                                      </p:cBhvr>
+                                      <p:to>
+                                        <p:strVal val="visible"/>
+                                      </p:to>
+                                    </p:set>
+                                  </p:childTnLst>
+                                </p:cTn>
+                              </p:par>
+                              <p:par>
+                                <p:cTn id="11" presetID="1" presetClass="entr" presetSubtype="0" fill="hold" nodeType="withEffect">
+                                  <p:stCondLst>
+                                    <p:cond delay="0"/>
+                                  </p:stCondLst>
+                                  <p:childTnLst>
+                                    <p:set>
+                                      <p:cBhvr>
+                                        <p:cTn id="12" dur="1" fill="hold">
+                                          <p:stCondLst>
+                                            <p:cond delay="0"/>
+                                          </p:stCondLst>
+                                        </p:cTn>
+                                        <p:tgtEl>
+                                          <p:spTgt spid="3">
+                                            <p:txEl>
+                                              <p:pRg st="3" end="3"/>
+                                            </p:txEl>
+                                          </p:spTgt>
+                                        </p:tgtEl>
+                                        <p:attrNameLst>
+                                          <p:attrName>style.visibility</p:attrName>
+                                        </p:attrNameLst>
+                                      </p:cBhvr>
+                                      <p:to>
+                                        <p:strVal val="visible"/>
+                                      </p:to>
+                                    </p:set>
+                                  </p:childTnLst>
+                                </p:cTn>
+                              </p:par>
+                            </p:childTnLst>
+                          </p:cTn>
+                        </p:par>
+                      </p:childTnLst>
+                    </p:cTn>
+                  </p:par>
+                  <p:par>
+                    <p:cTn id="13" fill="hold">
+                      <p:stCondLst>
+                        <p:cond delay="indefinite"/>
+                      </p:stCondLst>
+                      <p:childTnLst>
+                        <p:par>
+                          <p:cTn id="14" fill="hold">
+                            <p:stCondLst>
+                              <p:cond delay="0"/>
+                            </p:stCondLst>
+                            <p:childTnLst>
+                              <p:par>
+                                <p:cTn id="15" presetID="1" presetClass="entr" presetSubtype="0" fill="hold" nodeType="clickEffect">
+                                  <p:stCondLst>
+                                    <p:cond delay="0"/>
+                                  </p:stCondLst>
+                                  <p:childTnLst>
+                                    <p:set>
+                                      <p:cBhvr>
+                                        <p:cTn id="16" dur="1" fill="hold">
+                                          <p:stCondLst>
+                                            <p:cond delay="0"/>
+                                          </p:stCondLst>
+                                        </p:cTn>
+                                        <p:tgtEl>
+                                          <p:spTgt spid="3">
+                                            <p:txEl>
+                                              <p:pRg st="5" end="5"/>
+                                            </p:txEl>
+                                          </p:spTgt>
+                                        </p:tgtEl>
+                                        <p:attrNameLst>
+                                          <p:attrName>style.visibility</p:attrName>
+                                        </p:attrNameLst>
+                                      </p:cBhvr>
+                                      <p:to>
+                                        <p:strVal val="visible"/>
+                                      </p:to>
+                                    </p:set>
+                                  </p:childTnLst>
+                                </p:cTn>
+                              </p:par>
+                            </p:childTnLst>
+                          </p:cTn>
+                        </p:par>
+                      </p:childTnLst>
+                    </p:cTn>
+                  </p:par>
+                </p:childTnLst>
+              </p:cTn>
+              <p:prevCondLst>
+                <p:cond evt="onPrev" delay="0">
+                  <p:tgtEl>
+                    <p:sldTgt/>
+                  </p:tgtEl>
+                </p:cond>
+              </p:prevCondLst>
+              <p:nextCondLst>
+                <p:cond evt="onNext" delay="0">
+                  <p:tgtEl>
+                    <p:sldTgt/>
+                  </p:tgtEl>
+                </p:cond>
+              </p:nextCondLst>
+            </p:seq>
+          </p:childTnLst>
+        </p:cTn>
+      </p:par>
+    </p:tnLst>
+  </p:timing>
 </p:sld>
 </file>
 
@@ -3667,7 +5138,14 @@
         <p:cNvGrpSpPr/>
         <p:nvPr/>
       </p:nvGrpSpPr>
-      <p:grpSpPr/>
+      <p:grpSpPr>
+        <a:xfrm>
+          <a:off x="0" y="0"/>
+          <a:ext cx="0" cy="0"/>
+          <a:chOff x="0" y="0"/>
+          <a:chExt cx="0" cy="0"/>
+        </a:xfrm>
+      </p:grpSpPr>
       <p:sp>
         <p:nvSpPr>
           <p:cNvPr id="2" name="Title 1"/>
@@ -3681,6 +5159,7 @@
         <p:spPr/>
         <p:txBody>
           <a:bodyPr/>
+          <a:lstStyle/>
           <a:p>
             <a:endParaRPr lang="en-US"/>
           </a:p>
@@ -3699,88 +5178,96 @@
         <p:spPr/>
         <p:txBody>
           <a:bodyPr/>
-          <a:p>
-            <a:r>
-              <a:rPr lang="x-none" altLang="en-US"/>
+          <a:lstStyle/>
+          <a:p>
+            <a:r>
+              <a:rPr lang="x-none" altLang="en-US" dirty="0"/>
               <a:t>M</a:t>
             </a:r>
             <a:r>
-              <a:rPr lang="en-US"/>
-              <a:t>akefile由一组规则组成，每条规则的格式是：</a:t>
-            </a:r>
-            <a:endParaRPr lang="en-US"/>
+              <a:rPr lang="en-US" dirty="0" err="1"/>
+              <a:t>akefile由一组规则组成，每条规则的格式是</a:t>
+            </a:r>
+            <a:r>
+              <a:rPr lang="en-US" dirty="0"/>
+              <a:t>：</a:t>
+            </a:r>
           </a:p>
           <a:p>
             <a:pPr marL="457200" lvl="1" indent="0">
               <a:buNone/>
             </a:pPr>
             <a:r>
-              <a:rPr lang="en-US"/>
+              <a:rPr lang="en-US" dirty="0"/>
               <a:t>target  </a:t>
             </a:r>
             <a:r>
-              <a:rPr lang="x-none" altLang="en-US"/>
+              <a:rPr lang="x-none" altLang="en-US" dirty="0"/>
               <a:t>:</a:t>
             </a:r>
             <a:r>
-              <a:rPr lang="en-US"/>
+              <a:rPr lang="en-US" dirty="0"/>
               <a:t> prerequisites </a:t>
             </a:r>
-            <a:endParaRPr lang="en-US"/>
           </a:p>
           <a:p>
             <a:pPr marL="914400" lvl="2" indent="0">
               <a:buNone/>
             </a:pPr>
             <a:r>
-              <a:rPr lang="x-none" altLang="en-US"/>
+              <a:rPr lang="x-none" altLang="en-US" dirty="0"/>
               <a:t>&lt;TAB&gt;</a:t>
             </a:r>
             <a:r>
-              <a:rPr lang="en-US"/>
+              <a:rPr lang="en-US" dirty="0"/>
               <a:t>command1</a:t>
             </a:r>
-            <a:endParaRPr lang="en-US"/>
           </a:p>
           <a:p>
             <a:pPr marL="914400" lvl="2" indent="0">
               <a:buNone/>
             </a:pPr>
             <a:r>
-              <a:rPr lang="x-none" altLang="en-US"/>
+              <a:rPr lang="x-none" altLang="en-US" dirty="0"/>
               <a:t>&lt;TAB&gt;</a:t>
             </a:r>
             <a:r>
-              <a:rPr lang="en-US"/>
+              <a:rPr lang="en-US" dirty="0"/>
               <a:t>command2</a:t>
             </a:r>
-            <a:endParaRPr lang="en-US"/>
           </a:p>
           <a:p>
             <a:pPr marL="457200" lvl="1" indent="0">
               <a:buNone/>
             </a:pPr>
-            <a:endParaRPr lang="en-US"/>
+            <a:endParaRPr lang="en-US" dirty="0"/>
           </a:p>
           <a:p>
             <a:pPr marL="457200" lvl="1" indent="0">
               <a:buNone/>
             </a:pPr>
             <a:r>
-              <a:rPr lang="en-US"/>
-              <a:t>通常Makefile都会有一个 clean 规则，用于清除编译过程中产生的二进制文件，保留源文件</a:t>
-            </a:r>
-            <a:endParaRPr lang="en-US"/>
+              <a:rPr lang="en-US" dirty="0" err="1"/>
+              <a:t>通常Makefile都会有一个</a:t>
+            </a:r>
+            <a:r>
+              <a:rPr lang="en-US" dirty="0"/>
+              <a:t> clean </a:t>
+            </a:r>
+            <a:r>
+              <a:rPr lang="en-US" dirty="0" err="1"/>
+              <a:t>规则，用于清除编译过程中产生的二进制文件，保留源文件</a:t>
+            </a:r>
+            <a:endParaRPr lang="en-US" dirty="0"/>
           </a:p>
           <a:p>
             <a:pPr marL="457200" lvl="1" indent="0">
               <a:buNone/>
             </a:pPr>
             <a:r>
-              <a:rPr lang="x-none" altLang="en-US"/>
+              <a:rPr lang="x-none" altLang="en-US" dirty="0"/>
               <a:t>make clean</a:t>
             </a:r>
-            <a:endParaRPr lang="x-none" altLang="en-US"/>
           </a:p>
         </p:txBody>
       </p:sp>
@@ -3789,6 +5276,678 @@
   <p:clrMapOvr>
     <a:masterClrMapping/>
   </p:clrMapOvr>
+  <p:timing>
+    <p:tnLst>
+      <p:par>
+        <p:cTn id="1" dur="indefinite" restart="never" nodeType="tmRoot">
+          <p:childTnLst>
+            <p:seq concurrent="1" nextAc="seek">
+              <p:cTn id="2" dur="indefinite" nodeType="mainSeq">
+                <p:childTnLst>
+                  <p:par>
+                    <p:cTn id="3" fill="hold">
+                      <p:stCondLst>
+                        <p:cond delay="indefinite"/>
+                      </p:stCondLst>
+                      <p:childTnLst>
+                        <p:par>
+                          <p:cTn id="4" fill="hold">
+                            <p:stCondLst>
+                              <p:cond delay="0"/>
+                            </p:stCondLst>
+                            <p:childTnLst>
+                              <p:par>
+                                <p:cTn id="5" presetID="1" presetClass="entr" presetSubtype="0" fill="hold" nodeType="clickEffect">
+                                  <p:stCondLst>
+                                    <p:cond delay="0"/>
+                                  </p:stCondLst>
+                                  <p:childTnLst>
+                                    <p:set>
+                                      <p:cBhvr>
+                                        <p:cTn id="6" dur="1" fill="hold">
+                                          <p:stCondLst>
+                                            <p:cond delay="0"/>
+                                          </p:stCondLst>
+                                        </p:cTn>
+                                        <p:tgtEl>
+                                          <p:spTgt spid="3">
+                                            <p:txEl>
+                                              <p:pRg st="0" end="0"/>
+                                            </p:txEl>
+                                          </p:spTgt>
+                                        </p:tgtEl>
+                                        <p:attrNameLst>
+                                          <p:attrName>style.visibility</p:attrName>
+                                        </p:attrNameLst>
+                                      </p:cBhvr>
+                                      <p:to>
+                                        <p:strVal val="visible"/>
+                                      </p:to>
+                                    </p:set>
+                                  </p:childTnLst>
+                                </p:cTn>
+                              </p:par>
+                              <p:par>
+                                <p:cTn id="7" presetID="1" presetClass="entr" presetSubtype="0" fill="hold" nodeType="withEffect">
+                                  <p:stCondLst>
+                                    <p:cond delay="0"/>
+                                  </p:stCondLst>
+                                  <p:childTnLst>
+                                    <p:set>
+                                      <p:cBhvr>
+                                        <p:cTn id="8" dur="1" fill="hold">
+                                          <p:stCondLst>
+                                            <p:cond delay="0"/>
+                                          </p:stCondLst>
+                                        </p:cTn>
+                                        <p:tgtEl>
+                                          <p:spTgt spid="3">
+                                            <p:txEl>
+                                              <p:pRg st="1" end="1"/>
+                                            </p:txEl>
+                                          </p:spTgt>
+                                        </p:tgtEl>
+                                        <p:attrNameLst>
+                                          <p:attrName>style.visibility</p:attrName>
+                                        </p:attrNameLst>
+                                      </p:cBhvr>
+                                      <p:to>
+                                        <p:strVal val="visible"/>
+                                      </p:to>
+                                    </p:set>
+                                  </p:childTnLst>
+                                </p:cTn>
+                              </p:par>
+                              <p:par>
+                                <p:cTn id="9" presetID="1" presetClass="entr" presetSubtype="0" fill="hold" nodeType="withEffect">
+                                  <p:stCondLst>
+                                    <p:cond delay="0"/>
+                                  </p:stCondLst>
+                                  <p:childTnLst>
+                                    <p:set>
+                                      <p:cBhvr>
+                                        <p:cTn id="10" dur="1" fill="hold">
+                                          <p:stCondLst>
+                                            <p:cond delay="0"/>
+                                          </p:stCondLst>
+                                        </p:cTn>
+                                        <p:tgtEl>
+                                          <p:spTgt spid="3">
+                                            <p:txEl>
+                                              <p:pRg st="2" end="2"/>
+                                            </p:txEl>
+                                          </p:spTgt>
+                                        </p:tgtEl>
+                                        <p:attrNameLst>
+                                          <p:attrName>style.visibility</p:attrName>
+                                        </p:attrNameLst>
+                                      </p:cBhvr>
+                                      <p:to>
+                                        <p:strVal val="visible"/>
+                                      </p:to>
+                                    </p:set>
+                                  </p:childTnLst>
+                                </p:cTn>
+                              </p:par>
+                              <p:par>
+                                <p:cTn id="11" presetID="1" presetClass="entr" presetSubtype="0" fill="hold" nodeType="withEffect">
+                                  <p:stCondLst>
+                                    <p:cond delay="0"/>
+                                  </p:stCondLst>
+                                  <p:childTnLst>
+                                    <p:set>
+                                      <p:cBhvr>
+                                        <p:cTn id="12" dur="1" fill="hold">
+                                          <p:stCondLst>
+                                            <p:cond delay="0"/>
+                                          </p:stCondLst>
+                                        </p:cTn>
+                                        <p:tgtEl>
+                                          <p:spTgt spid="3">
+                                            <p:txEl>
+                                              <p:pRg st="3" end="3"/>
+                                            </p:txEl>
+                                          </p:spTgt>
+                                        </p:tgtEl>
+                                        <p:attrNameLst>
+                                          <p:attrName>style.visibility</p:attrName>
+                                        </p:attrNameLst>
+                                      </p:cBhvr>
+                                      <p:to>
+                                        <p:strVal val="visible"/>
+                                      </p:to>
+                                    </p:set>
+                                  </p:childTnLst>
+                                </p:cTn>
+                              </p:par>
+                            </p:childTnLst>
+                          </p:cTn>
+                        </p:par>
+                      </p:childTnLst>
+                    </p:cTn>
+                  </p:par>
+                  <p:par>
+                    <p:cTn id="13" fill="hold">
+                      <p:stCondLst>
+                        <p:cond delay="indefinite"/>
+                      </p:stCondLst>
+                      <p:childTnLst>
+                        <p:par>
+                          <p:cTn id="14" fill="hold">
+                            <p:stCondLst>
+                              <p:cond delay="0"/>
+                            </p:stCondLst>
+                            <p:childTnLst>
+                              <p:par>
+                                <p:cTn id="15" presetID="1" presetClass="entr" presetSubtype="0" fill="hold" nodeType="clickEffect">
+                                  <p:stCondLst>
+                                    <p:cond delay="0"/>
+                                  </p:stCondLst>
+                                  <p:childTnLst>
+                                    <p:set>
+                                      <p:cBhvr>
+                                        <p:cTn id="16" dur="1" fill="hold">
+                                          <p:stCondLst>
+                                            <p:cond delay="0"/>
+                                          </p:stCondLst>
+                                        </p:cTn>
+                                        <p:tgtEl>
+                                          <p:spTgt spid="3">
+                                            <p:txEl>
+                                              <p:pRg st="5" end="5"/>
+                                            </p:txEl>
+                                          </p:spTgt>
+                                        </p:tgtEl>
+                                        <p:attrNameLst>
+                                          <p:attrName>style.visibility</p:attrName>
+                                        </p:attrNameLst>
+                                      </p:cBhvr>
+                                      <p:to>
+                                        <p:strVal val="visible"/>
+                                      </p:to>
+                                    </p:set>
+                                  </p:childTnLst>
+                                </p:cTn>
+                              </p:par>
+                              <p:par>
+                                <p:cTn id="17" presetID="1" presetClass="entr" presetSubtype="0" fill="hold" nodeType="withEffect">
+                                  <p:stCondLst>
+                                    <p:cond delay="0"/>
+                                  </p:stCondLst>
+                                  <p:childTnLst>
+                                    <p:set>
+                                      <p:cBhvr>
+                                        <p:cTn id="18" dur="1" fill="hold">
+                                          <p:stCondLst>
+                                            <p:cond delay="0"/>
+                                          </p:stCondLst>
+                                        </p:cTn>
+                                        <p:tgtEl>
+                                          <p:spTgt spid="3">
+                                            <p:txEl>
+                                              <p:pRg st="6" end="6"/>
+                                            </p:txEl>
+                                          </p:spTgt>
+                                        </p:tgtEl>
+                                        <p:attrNameLst>
+                                          <p:attrName>style.visibility</p:attrName>
+                                        </p:attrNameLst>
+                                      </p:cBhvr>
+                                      <p:to>
+                                        <p:strVal val="visible"/>
+                                      </p:to>
+                                    </p:set>
+                                  </p:childTnLst>
+                                </p:cTn>
+                              </p:par>
+                            </p:childTnLst>
+                          </p:cTn>
+                        </p:par>
+                      </p:childTnLst>
+                    </p:cTn>
+                  </p:par>
+                </p:childTnLst>
+              </p:cTn>
+              <p:prevCondLst>
+                <p:cond evt="onPrev" delay="0">
+                  <p:tgtEl>
+                    <p:sldTgt/>
+                  </p:tgtEl>
+                </p:cond>
+              </p:prevCondLst>
+              <p:nextCondLst>
+                <p:cond evt="onNext" delay="0">
+                  <p:tgtEl>
+                    <p:sldTgt/>
+                  </p:tgtEl>
+                </p:cond>
+              </p:nextCondLst>
+            </p:seq>
+          </p:childTnLst>
+        </p:cTn>
+      </p:par>
+    </p:tnLst>
+  </p:timing>
+</p:sld>
+</file>
+
+<file path=ppt/slides/slide9.xml><?xml version="1.0" encoding="utf-8"?>
+<p:sld xmlns:a="http://schemas.openxmlformats.org/drawingml/2006/main" xmlns:r="http://schemas.openxmlformats.org/officeDocument/2006/relationships" xmlns:p="http://schemas.openxmlformats.org/presentationml/2006/main">
+  <p:cSld>
+    <p:spTree>
+      <p:nvGrpSpPr>
+        <p:cNvPr id="1" name=""/>
+        <p:cNvGrpSpPr/>
+        <p:nvPr/>
+      </p:nvGrpSpPr>
+      <p:grpSpPr>
+        <a:xfrm>
+          <a:off x="0" y="0"/>
+          <a:ext cx="0" cy="0"/>
+          <a:chOff x="0" y="0"/>
+          <a:chExt cx="0" cy="0"/>
+        </a:xfrm>
+      </p:grpSpPr>
+      <p:sp>
+        <p:nvSpPr>
+          <p:cNvPr id="2" name="Title 1"/>
+          <p:cNvSpPr>
+            <a:spLocks noGrp="1"/>
+          </p:cNvSpPr>
+          <p:nvPr>
+            <p:ph type="title"/>
+          </p:nvPr>
+        </p:nvSpPr>
+        <p:spPr/>
+        <p:txBody>
+          <a:bodyPr/>
+          <a:lstStyle/>
+          <a:p>
+            <a:endParaRPr lang="en-US"/>
+          </a:p>
+        </p:txBody>
+      </p:sp>
+      <p:sp>
+        <p:nvSpPr>
+          <p:cNvPr id="3" name="Content Placeholder 2"/>
+          <p:cNvSpPr>
+            <a:spLocks noGrp="1"/>
+          </p:cNvSpPr>
+          <p:nvPr>
+            <p:ph idx="1"/>
+          </p:nvPr>
+        </p:nvSpPr>
+        <p:spPr/>
+        <p:txBody>
+          <a:bodyPr/>
+          <a:lstStyle/>
+          <a:p>
+            <a:r>
+              <a:rPr lang="x-none" altLang="en-US" dirty="0"/>
+              <a:t>进程控制</a:t>
+            </a:r>
+          </a:p>
+          <a:p>
+            <a:r>
+              <a:rPr lang="x-none" altLang="en-US" dirty="0"/>
+              <a:t>把进程切换到后台并停止 Ctrl-Z</a:t>
+            </a:r>
+          </a:p>
+          <a:p>
+            <a:r>
+              <a:rPr lang="x-none" altLang="en-US" dirty="0"/>
+              <a:t>把后台停止的进程继续执行 bg</a:t>
+            </a:r>
+          </a:p>
+          <a:p>
+            <a:r>
+              <a:rPr lang="x-none" altLang="en-US" dirty="0"/>
+              <a:t>把后台的进程切到前台继续执行 fg</a:t>
+            </a:r>
+          </a:p>
+          <a:p>
+            <a:r>
+              <a:rPr lang="x-none" altLang="en-US" dirty="0"/>
+              <a:t>&amp;操作符号</a:t>
+            </a:r>
+          </a:p>
+          <a:p>
+            <a:r>
+              <a:rPr lang="x-none" altLang="en-US" dirty="0"/>
+              <a:t>nohup命令</a:t>
+            </a:r>
+          </a:p>
+        </p:txBody>
+      </p:sp>
+    </p:spTree>
+  </p:cSld>
+  <p:clrMapOvr>
+    <a:masterClrMapping/>
+  </p:clrMapOvr>
+  <p:timing>
+    <p:tnLst>
+      <p:par>
+        <p:cTn id="1" dur="indefinite" restart="never" nodeType="tmRoot">
+          <p:childTnLst>
+            <p:seq concurrent="1" nextAc="seek">
+              <p:cTn id="2" dur="indefinite" nodeType="mainSeq">
+                <p:childTnLst>
+                  <p:par>
+                    <p:cTn id="3" fill="hold">
+                      <p:stCondLst>
+                        <p:cond delay="indefinite"/>
+                      </p:stCondLst>
+                      <p:childTnLst>
+                        <p:par>
+                          <p:cTn id="4" fill="hold">
+                            <p:stCondLst>
+                              <p:cond delay="0"/>
+                            </p:stCondLst>
+                            <p:childTnLst>
+                              <p:par>
+                                <p:cTn id="5" presetID="1" presetClass="entr" presetSubtype="0" fill="hold" nodeType="clickEffect">
+                                  <p:stCondLst>
+                                    <p:cond delay="0"/>
+                                  </p:stCondLst>
+                                  <p:childTnLst>
+                                    <p:set>
+                                      <p:cBhvr>
+                                        <p:cTn id="6" dur="1" fill="hold">
+                                          <p:stCondLst>
+                                            <p:cond delay="0"/>
+                                          </p:stCondLst>
+                                        </p:cTn>
+                                        <p:tgtEl>
+                                          <p:spTgt spid="3">
+                                            <p:txEl>
+                                              <p:pRg st="0" end="0"/>
+                                            </p:txEl>
+                                          </p:spTgt>
+                                        </p:tgtEl>
+                                        <p:attrNameLst>
+                                          <p:attrName>style.visibility</p:attrName>
+                                        </p:attrNameLst>
+                                      </p:cBhvr>
+                                      <p:to>
+                                        <p:strVal val="visible"/>
+                                      </p:to>
+                                    </p:set>
+                                  </p:childTnLst>
+                                </p:cTn>
+                              </p:par>
+                            </p:childTnLst>
+                          </p:cTn>
+                        </p:par>
+                      </p:childTnLst>
+                    </p:cTn>
+                  </p:par>
+                  <p:par>
+                    <p:cTn id="7" fill="hold">
+                      <p:stCondLst>
+                        <p:cond delay="indefinite"/>
+                      </p:stCondLst>
+                      <p:childTnLst>
+                        <p:par>
+                          <p:cTn id="8" fill="hold">
+                            <p:stCondLst>
+                              <p:cond delay="0"/>
+                            </p:stCondLst>
+                            <p:childTnLst>
+                              <p:par>
+                                <p:cTn id="9" presetID="1" presetClass="entr" presetSubtype="0" fill="hold" nodeType="clickEffect">
+                                  <p:stCondLst>
+                                    <p:cond delay="0"/>
+                                  </p:stCondLst>
+                                  <p:childTnLst>
+                                    <p:set>
+                                      <p:cBhvr>
+                                        <p:cTn id="10" dur="1" fill="hold">
+                                          <p:stCondLst>
+                                            <p:cond delay="0"/>
+                                          </p:stCondLst>
+                                        </p:cTn>
+                                        <p:tgtEl>
+                                          <p:spTgt spid="3">
+                                            <p:txEl>
+                                              <p:pRg st="1" end="1"/>
+                                            </p:txEl>
+                                          </p:spTgt>
+                                        </p:tgtEl>
+                                        <p:attrNameLst>
+                                          <p:attrName>style.visibility</p:attrName>
+                                        </p:attrNameLst>
+                                      </p:cBhvr>
+                                      <p:to>
+                                        <p:strVal val="visible"/>
+                                      </p:to>
+                                    </p:set>
+                                  </p:childTnLst>
+                                </p:cTn>
+                              </p:par>
+                            </p:childTnLst>
+                          </p:cTn>
+                        </p:par>
+                      </p:childTnLst>
+                    </p:cTn>
+                  </p:par>
+                  <p:par>
+                    <p:cTn id="11" fill="hold">
+                      <p:stCondLst>
+                        <p:cond delay="indefinite"/>
+                      </p:stCondLst>
+                      <p:childTnLst>
+                        <p:par>
+                          <p:cTn id="12" fill="hold">
+                            <p:stCondLst>
+                              <p:cond delay="0"/>
+                            </p:stCondLst>
+                            <p:childTnLst>
+                              <p:par>
+                                <p:cTn id="13" presetID="1" presetClass="entr" presetSubtype="0" fill="hold" nodeType="clickEffect">
+                                  <p:stCondLst>
+                                    <p:cond delay="0"/>
+                                  </p:stCondLst>
+                                  <p:childTnLst>
+                                    <p:set>
+                                      <p:cBhvr>
+                                        <p:cTn id="14" dur="1" fill="hold">
+                                          <p:stCondLst>
+                                            <p:cond delay="0"/>
+                                          </p:stCondLst>
+                                        </p:cTn>
+                                        <p:tgtEl>
+                                          <p:spTgt spid="3">
+                                            <p:txEl>
+                                              <p:pRg st="2" end="2"/>
+                                            </p:txEl>
+                                          </p:spTgt>
+                                        </p:tgtEl>
+                                        <p:attrNameLst>
+                                          <p:attrName>style.visibility</p:attrName>
+                                        </p:attrNameLst>
+                                      </p:cBhvr>
+                                      <p:to>
+                                        <p:strVal val="visible"/>
+                                      </p:to>
+                                    </p:set>
+                                  </p:childTnLst>
+                                </p:cTn>
+                              </p:par>
+                            </p:childTnLst>
+                          </p:cTn>
+                        </p:par>
+                      </p:childTnLst>
+                    </p:cTn>
+                  </p:par>
+                  <p:par>
+                    <p:cTn id="15" fill="hold">
+                      <p:stCondLst>
+                        <p:cond delay="indefinite"/>
+                      </p:stCondLst>
+                      <p:childTnLst>
+                        <p:par>
+                          <p:cTn id="16" fill="hold">
+                            <p:stCondLst>
+                              <p:cond delay="0"/>
+                            </p:stCondLst>
+                            <p:childTnLst>
+                              <p:par>
+                                <p:cTn id="17" presetID="1" presetClass="entr" presetSubtype="0" fill="hold" nodeType="clickEffect">
+                                  <p:stCondLst>
+                                    <p:cond delay="0"/>
+                                  </p:stCondLst>
+                                  <p:childTnLst>
+                                    <p:set>
+                                      <p:cBhvr>
+                                        <p:cTn id="18" dur="1" fill="hold">
+                                          <p:stCondLst>
+                                            <p:cond delay="0"/>
+                                          </p:stCondLst>
+                                        </p:cTn>
+                                        <p:tgtEl>
+                                          <p:spTgt spid="3">
+                                            <p:txEl>
+                                              <p:pRg st="3" end="3"/>
+                                            </p:txEl>
+                                          </p:spTgt>
+                                        </p:tgtEl>
+                                        <p:attrNameLst>
+                                          <p:attrName>style.visibility</p:attrName>
+                                        </p:attrNameLst>
+                                      </p:cBhvr>
+                                      <p:to>
+                                        <p:strVal val="visible"/>
+                                      </p:to>
+                                    </p:set>
+                                  </p:childTnLst>
+                                </p:cTn>
+                              </p:par>
+                            </p:childTnLst>
+                          </p:cTn>
+                        </p:par>
+                      </p:childTnLst>
+                    </p:cTn>
+                  </p:par>
+                  <p:par>
+                    <p:cTn id="19" fill="hold">
+                      <p:stCondLst>
+                        <p:cond delay="indefinite"/>
+                      </p:stCondLst>
+                      <p:childTnLst>
+                        <p:par>
+                          <p:cTn id="20" fill="hold">
+                            <p:stCondLst>
+                              <p:cond delay="0"/>
+                            </p:stCondLst>
+                            <p:childTnLst>
+                              <p:par>
+                                <p:cTn id="21" presetID="1" presetClass="entr" presetSubtype="0" fill="hold" nodeType="clickEffect">
+                                  <p:stCondLst>
+                                    <p:cond delay="0"/>
+                                  </p:stCondLst>
+                                  <p:childTnLst>
+                                    <p:set>
+                                      <p:cBhvr>
+                                        <p:cTn id="22" dur="1" fill="hold">
+                                          <p:stCondLst>
+                                            <p:cond delay="0"/>
+                                          </p:stCondLst>
+                                        </p:cTn>
+                                        <p:tgtEl>
+                                          <p:spTgt spid="3">
+                                            <p:txEl>
+                                              <p:pRg st="4" end="4"/>
+                                            </p:txEl>
+                                          </p:spTgt>
+                                        </p:tgtEl>
+                                        <p:attrNameLst>
+                                          <p:attrName>style.visibility</p:attrName>
+                                        </p:attrNameLst>
+                                      </p:cBhvr>
+                                      <p:to>
+                                        <p:strVal val="visible"/>
+                                      </p:to>
+                                    </p:set>
+                                  </p:childTnLst>
+                                </p:cTn>
+                              </p:par>
+                            </p:childTnLst>
+                          </p:cTn>
+                        </p:par>
+                      </p:childTnLst>
+                    </p:cTn>
+                  </p:par>
+                  <p:par>
+                    <p:cTn id="23" fill="hold">
+                      <p:stCondLst>
+                        <p:cond delay="indefinite"/>
+                      </p:stCondLst>
+                      <p:childTnLst>
+                        <p:par>
+                          <p:cTn id="24" fill="hold">
+                            <p:stCondLst>
+                              <p:cond delay="0"/>
+                            </p:stCondLst>
+                            <p:childTnLst>
+                              <p:par>
+                                <p:cTn id="25" presetID="1" presetClass="entr" presetSubtype="0" fill="hold" nodeType="clickEffect">
+                                  <p:stCondLst>
+                                    <p:cond delay="0"/>
+                                  </p:stCondLst>
+                                  <p:childTnLst>
+                                    <p:set>
+                                      <p:cBhvr>
+                                        <p:cTn id="26" dur="1" fill="hold">
+                                          <p:stCondLst>
+                                            <p:cond delay="0"/>
+                                          </p:stCondLst>
+                                        </p:cTn>
+                                        <p:tgtEl>
+                                          <p:spTgt spid="3">
+                                            <p:txEl>
+                                              <p:pRg st="5" end="5"/>
+                                            </p:txEl>
+                                          </p:spTgt>
+                                        </p:tgtEl>
+                                        <p:attrNameLst>
+                                          <p:attrName>style.visibility</p:attrName>
+                                        </p:attrNameLst>
+                                      </p:cBhvr>
+                                      <p:to>
+                                        <p:strVal val="visible"/>
+                                      </p:to>
+                                    </p:set>
+                                  </p:childTnLst>
+                                </p:cTn>
+                              </p:par>
+                            </p:childTnLst>
+                          </p:cTn>
+                        </p:par>
+                      </p:childTnLst>
+                    </p:cTn>
+                  </p:par>
+                </p:childTnLst>
+              </p:cTn>
+              <p:prevCondLst>
+                <p:cond evt="onPrev" delay="0">
+                  <p:tgtEl>
+                    <p:sldTgt/>
+                  </p:tgtEl>
+                </p:cond>
+              </p:prevCondLst>
+              <p:nextCondLst>
+                <p:cond evt="onNext" delay="0">
+                  <p:tgtEl>
+                    <p:sldTgt/>
+                  </p:tgtEl>
+                </p:cond>
+              </p:nextCondLst>
+            </p:seq>
+          </p:childTnLst>
+        </p:cTn>
+      </p:par>
+    </p:tnLst>
+  </p:timing>
 </p:sld>
 </file>
 
@@ -4047,7 +6206,7 @@
   <a:extraClrSchemeLst/>
   <a:extLst>
     <a:ext uri="{05A4C25C-085E-4340-85A3-A5531E510DB2}">
-      <thm15:themeFamily xmlns:thm15="http://schemas.microsoft.com/office/thememl/2012/main" name="Office Theme" id="{62F939B6-93AF-4DB8-9C6B-D6C7DFDC589F}" vid="{4A3C46E8-61CC-4603-A589-7422A47A8E4A}"/>
+      <thm15:themeFamily xmlns:thm15="http://schemas.microsoft.com/office/thememl/2012/main" xmlns="" name="Office Theme" id="{62F939B6-93AF-4DB8-9C6B-D6C7DFDC589F}" vid="{4A3C46E8-61CC-4603-A589-7422A47A8E4A}"/>
     </a:ext>
   </a:extLst>
 </a:theme>
